--- a/Applied Data Science - KNN.pptx
+++ b/Applied Data Science - KNN.pptx
@@ -5,20 +5,22 @@
     <p:sldMasterId id="2147483833" r:id="rId1"/>
   </p:sldMasterIdLst>
   <p:notesMasterIdLst>
-    <p:notesMasterId r:id="rId13"/>
+    <p:notesMasterId r:id="rId15"/>
   </p:notesMasterIdLst>
   <p:sldIdLst>
     <p:sldId id="256" r:id="rId2"/>
     <p:sldId id="262" r:id="rId3"/>
-    <p:sldId id="258" r:id="rId4"/>
-    <p:sldId id="260" r:id="rId5"/>
-    <p:sldId id="257" r:id="rId6"/>
-    <p:sldId id="261" r:id="rId7"/>
-    <p:sldId id="263" r:id="rId8"/>
-    <p:sldId id="264" r:id="rId9"/>
-    <p:sldId id="265" r:id="rId10"/>
-    <p:sldId id="266" r:id="rId11"/>
-    <p:sldId id="259" r:id="rId12"/>
+    <p:sldId id="268" r:id="rId4"/>
+    <p:sldId id="258" r:id="rId5"/>
+    <p:sldId id="260" r:id="rId6"/>
+    <p:sldId id="257" r:id="rId7"/>
+    <p:sldId id="267" r:id="rId8"/>
+    <p:sldId id="261" r:id="rId9"/>
+    <p:sldId id="263" r:id="rId10"/>
+    <p:sldId id="264" r:id="rId11"/>
+    <p:sldId id="265" r:id="rId12"/>
+    <p:sldId id="266" r:id="rId13"/>
+    <p:sldId id="259" r:id="rId14"/>
   </p:sldIdLst>
   <p:sldSz cx="12192000" cy="6858000"/>
   <p:notesSz cx="6858000" cy="9144000"/>
@@ -207,7 +209,7 @@
           <a:p>
             <a:fld id="{F1D2C95C-E6C5-47EE-A945-EBB416EE6C3F}" type="datetimeFigureOut">
               <a:rPr lang="en-US" smtClean="0"/>
-              <a:t>5/2/2017</a:t>
+              <a:t>5/9/2017</a:t>
             </a:fld>
             <a:endParaRPr lang="en-US"/>
           </a:p>
@@ -475,6 +477,464 @@
 </p:notesMaster>
 </file>
 
+<file path=ppt/notesSlides/notesSlide1.xml><?xml version="1.0" encoding="utf-8"?>
+<p:notes xmlns:a="http://schemas.openxmlformats.org/drawingml/2006/main" xmlns:r="http://schemas.openxmlformats.org/officeDocument/2006/relationships" xmlns:p="http://schemas.openxmlformats.org/presentationml/2006/main">
+  <p:cSld>
+    <p:spTree>
+      <p:nvGrpSpPr>
+        <p:cNvPr id="1" name=""/>
+        <p:cNvGrpSpPr/>
+        <p:nvPr/>
+      </p:nvGrpSpPr>
+      <p:grpSpPr>
+        <a:xfrm>
+          <a:off x="0" y="0"/>
+          <a:ext cx="0" cy="0"/>
+          <a:chOff x="0" y="0"/>
+          <a:chExt cx="0" cy="0"/>
+        </a:xfrm>
+      </p:grpSpPr>
+      <p:sp>
+        <p:nvSpPr>
+          <p:cNvPr id="32770" name="Rectangle 7"/>
+          <p:cNvSpPr>
+            <a:spLocks noGrp="1" noChangeArrowheads="1"/>
+          </p:cNvSpPr>
+          <p:nvPr>
+            <p:ph type="sldNum" sz="quarter" idx="5"/>
+          </p:nvPr>
+        </p:nvSpPr>
+        <p:spPr/>
+        <p:txBody>
+          <a:bodyPr/>
+          <a:lstStyle>
+            <a:lvl1pPr eaLnBrk="0" hangingPunct="0">
+              <a:defRPr>
+                <a:solidFill>
+                  <a:schemeClr val="tx1"/>
+                </a:solidFill>
+                <a:latin typeface="Arial" panose="020B0604020202020204" pitchFamily="34" charset="0"/>
+                <a:cs typeface="Arial" panose="020B0604020202020204" pitchFamily="34" charset="0"/>
+              </a:defRPr>
+            </a:lvl1pPr>
+            <a:lvl2pPr marL="742950" indent="-285750" eaLnBrk="0" hangingPunct="0">
+              <a:defRPr>
+                <a:solidFill>
+                  <a:schemeClr val="tx1"/>
+                </a:solidFill>
+                <a:latin typeface="Arial" panose="020B0604020202020204" pitchFamily="34" charset="0"/>
+                <a:cs typeface="Arial" panose="020B0604020202020204" pitchFamily="34" charset="0"/>
+              </a:defRPr>
+            </a:lvl2pPr>
+            <a:lvl3pPr marL="1143000" indent="-228600" eaLnBrk="0" hangingPunct="0">
+              <a:defRPr>
+                <a:solidFill>
+                  <a:schemeClr val="tx1"/>
+                </a:solidFill>
+                <a:latin typeface="Arial" panose="020B0604020202020204" pitchFamily="34" charset="0"/>
+                <a:cs typeface="Arial" panose="020B0604020202020204" pitchFamily="34" charset="0"/>
+              </a:defRPr>
+            </a:lvl3pPr>
+            <a:lvl4pPr marL="1600200" indent="-228600" eaLnBrk="0" hangingPunct="0">
+              <a:defRPr>
+                <a:solidFill>
+                  <a:schemeClr val="tx1"/>
+                </a:solidFill>
+                <a:latin typeface="Arial" panose="020B0604020202020204" pitchFamily="34" charset="0"/>
+                <a:cs typeface="Arial" panose="020B0604020202020204" pitchFamily="34" charset="0"/>
+              </a:defRPr>
+            </a:lvl4pPr>
+            <a:lvl5pPr marL="2057400" indent="-228600" eaLnBrk="0" hangingPunct="0">
+              <a:defRPr>
+                <a:solidFill>
+                  <a:schemeClr val="tx1"/>
+                </a:solidFill>
+                <a:latin typeface="Arial" panose="020B0604020202020204" pitchFamily="34" charset="0"/>
+                <a:cs typeface="Arial" panose="020B0604020202020204" pitchFamily="34" charset="0"/>
+              </a:defRPr>
+            </a:lvl5pPr>
+            <a:lvl6pPr marL="2514600" indent="-228600" algn="l" rtl="0" eaLnBrk="0" fontAlgn="base" hangingPunct="0">
+              <a:spcBef>
+                <a:spcPct val="0"/>
+              </a:spcBef>
+              <a:spcAft>
+                <a:spcPct val="0"/>
+              </a:spcAft>
+              <a:defRPr>
+                <a:solidFill>
+                  <a:schemeClr val="tx1"/>
+                </a:solidFill>
+                <a:latin typeface="Arial" panose="020B0604020202020204" pitchFamily="34" charset="0"/>
+                <a:cs typeface="Arial" panose="020B0604020202020204" pitchFamily="34" charset="0"/>
+              </a:defRPr>
+            </a:lvl6pPr>
+            <a:lvl7pPr marL="2971800" indent="-228600" algn="l" rtl="0" eaLnBrk="0" fontAlgn="base" hangingPunct="0">
+              <a:spcBef>
+                <a:spcPct val="0"/>
+              </a:spcBef>
+              <a:spcAft>
+                <a:spcPct val="0"/>
+              </a:spcAft>
+              <a:defRPr>
+                <a:solidFill>
+                  <a:schemeClr val="tx1"/>
+                </a:solidFill>
+                <a:latin typeface="Arial" panose="020B0604020202020204" pitchFamily="34" charset="0"/>
+                <a:cs typeface="Arial" panose="020B0604020202020204" pitchFamily="34" charset="0"/>
+              </a:defRPr>
+            </a:lvl7pPr>
+            <a:lvl8pPr marL="3429000" indent="-228600" algn="l" rtl="0" eaLnBrk="0" fontAlgn="base" hangingPunct="0">
+              <a:spcBef>
+                <a:spcPct val="0"/>
+              </a:spcBef>
+              <a:spcAft>
+                <a:spcPct val="0"/>
+              </a:spcAft>
+              <a:defRPr>
+                <a:solidFill>
+                  <a:schemeClr val="tx1"/>
+                </a:solidFill>
+                <a:latin typeface="Arial" panose="020B0604020202020204" pitchFamily="34" charset="0"/>
+                <a:cs typeface="Arial" panose="020B0604020202020204" pitchFamily="34" charset="0"/>
+              </a:defRPr>
+            </a:lvl8pPr>
+            <a:lvl9pPr marL="3886200" indent="-228600" algn="l" rtl="0" eaLnBrk="0" fontAlgn="base" hangingPunct="0">
+              <a:spcBef>
+                <a:spcPct val="0"/>
+              </a:spcBef>
+              <a:spcAft>
+                <a:spcPct val="0"/>
+              </a:spcAft>
+              <a:defRPr>
+                <a:solidFill>
+                  <a:schemeClr val="tx1"/>
+                </a:solidFill>
+                <a:latin typeface="Arial" panose="020B0604020202020204" pitchFamily="34" charset="0"/>
+                <a:cs typeface="Arial" panose="020B0604020202020204" pitchFamily="34" charset="0"/>
+              </a:defRPr>
+            </a:lvl9pPr>
+          </a:lstStyle>
+          <a:p>
+            <a:pPr eaLnBrk="1" hangingPunct="1"/>
+            <a:fld id="{92527122-3FDE-4D9E-829A-DC65AAE70B64}" type="slidenum">
+              <a:rPr lang="en-US">
+                <a:solidFill>
+                  <a:srgbClr val="000000"/>
+                </a:solidFill>
+                <a:latin typeface="Calibri" panose="020F0502020204030204" pitchFamily="34" charset="0"/>
+              </a:rPr>
+              <a:pPr eaLnBrk="1" hangingPunct="1"/>
+              <a:t>3</a:t>
+            </a:fld>
+            <a:endParaRPr lang="en-US">
+              <a:solidFill>
+                <a:srgbClr val="000000"/>
+              </a:solidFill>
+              <a:latin typeface="Calibri" panose="020F0502020204030204" pitchFamily="34" charset="0"/>
+            </a:endParaRPr>
+          </a:p>
+        </p:txBody>
+      </p:sp>
+      <p:sp>
+        <p:nvSpPr>
+          <p:cNvPr id="129027" name="Rectangle 2"/>
+          <p:cNvSpPr>
+            <a:spLocks noGrp="1" noRot="1" noChangeAspect="1" noChangeArrowheads="1" noTextEdit="1"/>
+          </p:cNvSpPr>
+          <p:nvPr>
+            <p:ph type="sldImg"/>
+          </p:nvPr>
+        </p:nvSpPr>
+        <p:spPr bwMode="auto">
+          <a:noFill/>
+          <a:ln>
+            <a:solidFill>
+              <a:srgbClr val="000000"/>
+            </a:solidFill>
+            <a:miter lim="800000"/>
+            <a:headEnd/>
+            <a:tailEnd/>
+          </a:ln>
+          <a:extLst>
+            <a:ext uri="{909E8E84-426E-40DD-AFC4-6F175D3DCCD1}">
+              <a14:hiddenFill xmlns:a14="http://schemas.microsoft.com/office/drawing/2010/main">
+                <a:solidFill>
+                  <a:srgbClr val="FFFFFF"/>
+                </a:solidFill>
+              </a14:hiddenFill>
+            </a:ext>
+          </a:extLst>
+        </p:spPr>
+      </p:sp>
+      <p:sp>
+        <p:nvSpPr>
+          <p:cNvPr id="129028" name="Rectangle 3"/>
+          <p:cNvSpPr>
+            <a:spLocks noGrp="1" noChangeArrowheads="1"/>
+          </p:cNvSpPr>
+          <p:nvPr>
+            <p:ph type="body" idx="1"/>
+          </p:nvPr>
+        </p:nvSpPr>
+        <p:spPr bwMode="auto">
+          <a:noFill/>
+          <a:extLst>
+            <a:ext uri="{909E8E84-426E-40DD-AFC4-6F175D3DCCD1}">
+              <a14:hiddenFill xmlns:a14="http://schemas.microsoft.com/office/drawing/2010/main">
+                <a:solidFill>
+                  <a:srgbClr val="FFFFFF"/>
+                </a:solidFill>
+              </a14:hiddenFill>
+            </a:ext>
+            <a:ext uri="{91240B29-F687-4F45-9708-019B960494DF}">
+              <a14:hiddenLine xmlns:a14="http://schemas.microsoft.com/office/drawing/2010/main" w="9525">
+                <a:solidFill>
+                  <a:srgbClr val="000000"/>
+                </a:solidFill>
+                <a:miter lim="800000"/>
+                <a:headEnd/>
+                <a:tailEnd/>
+              </a14:hiddenLine>
+            </a:ext>
+          </a:extLst>
+        </p:spPr>
+        <p:txBody>
+          <a:bodyPr wrap="square" numCol="1" anchor="t" anchorCtr="0" compatLnSpc="1">
+            <a:prstTxWarp prst="textNoShape">
+              <a:avLst/>
+            </a:prstTxWarp>
+          </a:bodyPr>
+          <a:lstStyle/>
+          <a:p>
+            <a:pPr eaLnBrk="1" hangingPunct="1"/>
+            <a:endParaRPr lang="en-US" altLang="en-US" dirty="0" smtClean="0"/>
+          </a:p>
+        </p:txBody>
+      </p:sp>
+    </p:spTree>
+    <p:extLst>
+      <p:ext uri="{BB962C8B-B14F-4D97-AF65-F5344CB8AC3E}">
+        <p14:creationId xmlns:p14="http://schemas.microsoft.com/office/powerpoint/2010/main" val="3004300107"/>
+      </p:ext>
+    </p:extLst>
+  </p:cSld>
+  <p:clrMapOvr>
+    <a:masterClrMapping/>
+  </p:clrMapOvr>
+</p:notes>
+</file>
+
+<file path=ppt/notesSlides/notesSlide2.xml><?xml version="1.0" encoding="utf-8"?>
+<p:notes xmlns:a="http://schemas.openxmlformats.org/drawingml/2006/main" xmlns:r="http://schemas.openxmlformats.org/officeDocument/2006/relationships" xmlns:p="http://schemas.openxmlformats.org/presentationml/2006/main">
+  <p:cSld>
+    <p:spTree>
+      <p:nvGrpSpPr>
+        <p:cNvPr id="1" name=""/>
+        <p:cNvGrpSpPr/>
+        <p:nvPr/>
+      </p:nvGrpSpPr>
+      <p:grpSpPr>
+        <a:xfrm>
+          <a:off x="0" y="0"/>
+          <a:ext cx="0" cy="0"/>
+          <a:chOff x="0" y="0"/>
+          <a:chExt cx="0" cy="0"/>
+        </a:xfrm>
+      </p:grpSpPr>
+      <p:sp>
+        <p:nvSpPr>
+          <p:cNvPr id="2" name="Slide Image Placeholder 1"/>
+          <p:cNvSpPr>
+            <a:spLocks noGrp="1" noRot="1" noChangeAspect="1"/>
+          </p:cNvSpPr>
+          <p:nvPr>
+            <p:ph type="sldImg"/>
+          </p:nvPr>
+        </p:nvSpPr>
+        <p:spPr/>
+      </p:sp>
+      <p:sp>
+        <p:nvSpPr>
+          <p:cNvPr id="3" name="Notes Placeholder 2"/>
+          <p:cNvSpPr>
+            <a:spLocks noGrp="1"/>
+          </p:cNvSpPr>
+          <p:nvPr>
+            <p:ph type="body" idx="1"/>
+          </p:nvPr>
+        </p:nvSpPr>
+        <p:spPr/>
+        <p:txBody>
+          <a:bodyPr/>
+          <a:lstStyle/>
+          <a:p>
+            <a:endParaRPr lang="he-IL" dirty="0"/>
+          </a:p>
+        </p:txBody>
+      </p:sp>
+      <p:sp>
+        <p:nvSpPr>
+          <p:cNvPr id="4" name="Slide Number Placeholder 3"/>
+          <p:cNvSpPr>
+            <a:spLocks noGrp="1"/>
+          </p:cNvSpPr>
+          <p:nvPr>
+            <p:ph type="sldNum" sz="quarter" idx="10"/>
+          </p:nvPr>
+        </p:nvSpPr>
+        <p:spPr/>
+        <p:txBody>
+          <a:bodyPr/>
+          <a:lstStyle/>
+          <a:p>
+            <a:fld id="{EF941387-0482-4AF6-9996-23A3E24C4593}" type="slidenum">
+              <a:rPr lang="en-US" smtClean="0"/>
+              <a:t>7</a:t>
+            </a:fld>
+            <a:endParaRPr lang="en-US"/>
+          </a:p>
+        </p:txBody>
+      </p:sp>
+    </p:spTree>
+    <p:extLst>
+      <p:ext uri="{BB962C8B-B14F-4D97-AF65-F5344CB8AC3E}">
+        <p14:creationId xmlns:p14="http://schemas.microsoft.com/office/powerpoint/2010/main" val="3755620513"/>
+      </p:ext>
+    </p:extLst>
+  </p:cSld>
+  <p:clrMapOvr>
+    <a:masterClrMapping/>
+  </p:clrMapOvr>
+</p:notes>
+</file>
+
+<file path=ppt/notesSlides/notesSlide3.xml><?xml version="1.0" encoding="utf-8"?>
+<p:notes xmlns:a="http://schemas.openxmlformats.org/drawingml/2006/main" xmlns:r="http://schemas.openxmlformats.org/officeDocument/2006/relationships" xmlns:p="http://schemas.openxmlformats.org/presentationml/2006/main">
+  <p:cSld>
+    <p:spTree>
+      <p:nvGrpSpPr>
+        <p:cNvPr id="1" name=""/>
+        <p:cNvGrpSpPr/>
+        <p:nvPr/>
+      </p:nvGrpSpPr>
+      <p:grpSpPr>
+        <a:xfrm>
+          <a:off x="0" y="0"/>
+          <a:ext cx="0" cy="0"/>
+          <a:chOff x="0" y="0"/>
+          <a:chExt cx="0" cy="0"/>
+        </a:xfrm>
+      </p:grpSpPr>
+      <p:sp>
+        <p:nvSpPr>
+          <p:cNvPr id="2" name="Slide Image Placeholder 1"/>
+          <p:cNvSpPr>
+            <a:spLocks noGrp="1" noRot="1" noChangeAspect="1"/>
+          </p:cNvSpPr>
+          <p:nvPr>
+            <p:ph type="sldImg"/>
+          </p:nvPr>
+        </p:nvSpPr>
+        <p:spPr/>
+      </p:sp>
+      <p:sp>
+        <p:nvSpPr>
+          <p:cNvPr id="3" name="Notes Placeholder 2"/>
+          <p:cNvSpPr>
+            <a:spLocks noGrp="1"/>
+          </p:cNvSpPr>
+          <p:nvPr>
+            <p:ph type="body" idx="1"/>
+          </p:nvPr>
+        </p:nvSpPr>
+        <p:spPr/>
+        <p:txBody>
+          <a:bodyPr/>
+          <a:lstStyle/>
+          <a:p>
+            <a:r>
+              <a:rPr lang="en-US" dirty="0" smtClean="0"/>
+              <a:t>Doesn’t scale well</a:t>
+            </a:r>
+          </a:p>
+          <a:p>
+            <a:r>
+              <a:rPr lang="en-US" dirty="0" smtClean="0"/>
+              <a:t>Larger k reduces sensitivity to outliers. Less sensitive overall</a:t>
+            </a:r>
+          </a:p>
+          <a:p>
+            <a:r>
+              <a:rPr lang="en-US" dirty="0" smtClean="0"/>
+              <a:t>KNN doesn’t explain effect</a:t>
+            </a:r>
+            <a:r>
+              <a:rPr lang="en-US" baseline="0" dirty="0" smtClean="0"/>
+              <a:t> of features on target variable</a:t>
+            </a:r>
+            <a:endParaRPr lang="en-US" dirty="0" smtClean="0"/>
+          </a:p>
+          <a:p>
+            <a:r>
+              <a:rPr lang="en-US" dirty="0" smtClean="0"/>
+              <a:t>Doesn’t handle missing data well</a:t>
+            </a:r>
+          </a:p>
+          <a:p>
+            <a:r>
+              <a:rPr lang="en-US" dirty="0" smtClean="0"/>
+              <a:t>Requires</a:t>
+            </a:r>
+            <a:r>
+              <a:rPr lang="en-US" baseline="0" dirty="0" smtClean="0"/>
+              <a:t> tuning of K</a:t>
+            </a:r>
+          </a:p>
+          <a:p>
+            <a:r>
+              <a:rPr lang="en-US" baseline="0" dirty="0" smtClean="0"/>
+              <a:t>Slow during production</a:t>
+            </a:r>
+            <a:endParaRPr lang="he-IL" dirty="0"/>
+          </a:p>
+        </p:txBody>
+      </p:sp>
+      <p:sp>
+        <p:nvSpPr>
+          <p:cNvPr id="4" name="Slide Number Placeholder 3"/>
+          <p:cNvSpPr>
+            <a:spLocks noGrp="1"/>
+          </p:cNvSpPr>
+          <p:nvPr>
+            <p:ph type="sldNum" sz="quarter" idx="10"/>
+          </p:nvPr>
+        </p:nvSpPr>
+        <p:spPr/>
+        <p:txBody>
+          <a:bodyPr/>
+          <a:lstStyle/>
+          <a:p>
+            <a:fld id="{EF941387-0482-4AF6-9996-23A3E24C4593}" type="slidenum">
+              <a:rPr lang="en-US" smtClean="0"/>
+              <a:t>8</a:t>
+            </a:fld>
+            <a:endParaRPr lang="en-US"/>
+          </a:p>
+        </p:txBody>
+      </p:sp>
+    </p:spTree>
+    <p:extLst>
+      <p:ext uri="{BB962C8B-B14F-4D97-AF65-F5344CB8AC3E}">
+        <p14:creationId xmlns:p14="http://schemas.microsoft.com/office/powerpoint/2010/main" val="3570541433"/>
+      </p:ext>
+    </p:extLst>
+  </p:cSld>
+  <p:clrMapOvr>
+    <a:masterClrMapping/>
+  </p:clrMapOvr>
+</p:notes>
+</file>
+
 <file path=ppt/slideLayouts/slideLayout1.xml><?xml version="1.0" encoding="utf-8"?>
 <p:sldLayout xmlns:a="http://schemas.openxmlformats.org/drawingml/2006/main" xmlns:r="http://schemas.openxmlformats.org/officeDocument/2006/relationships" xmlns:p="http://schemas.openxmlformats.org/presentationml/2006/main" showMasterSp="0" type="title" preserve="1">
   <p:cSld name="Title Slide">
@@ -627,7 +1087,7 @@
           <a:p>
             <a:fld id="{BF4D7DE9-04F8-4F0B-A692-02FE1DAE9F6D}" type="datetimeFigureOut">
               <a:rPr lang="en-US" smtClean="0"/>
-              <a:t>5/2/2017</a:t>
+              <a:t>5/9/2017</a:t>
             </a:fld>
             <a:endParaRPr lang="en-US"/>
           </a:p>
@@ -1012,7 +1472,7 @@
           <a:p>
             <a:fld id="{BF4D7DE9-04F8-4F0B-A692-02FE1DAE9F6D}" type="datetimeFigureOut">
               <a:rPr lang="en-US" smtClean="0"/>
-              <a:t>5/2/2017</a:t>
+              <a:t>5/9/2017</a:t>
             </a:fld>
             <a:endParaRPr lang="en-US"/>
           </a:p>
@@ -1297,7 +1757,7 @@
           <a:p>
             <a:fld id="{BF4D7DE9-04F8-4F0B-A692-02FE1DAE9F6D}" type="datetimeFigureOut">
               <a:rPr lang="en-US" smtClean="0"/>
-              <a:t>5/2/2017</a:t>
+              <a:t>5/9/2017</a:t>
             </a:fld>
             <a:endParaRPr lang="en-US"/>
           </a:p>
@@ -1502,7 +1962,7 @@
           <a:p>
             <a:fld id="{BF4D7DE9-04F8-4F0B-A692-02FE1DAE9F6D}" type="datetimeFigureOut">
               <a:rPr lang="en-US" smtClean="0"/>
-              <a:t>5/2/2017</a:t>
+              <a:t>5/9/2017</a:t>
             </a:fld>
             <a:endParaRPr lang="en-US"/>
           </a:p>
@@ -1682,7 +2142,7 @@
           <a:p>
             <a:fld id="{BF4D7DE9-04F8-4F0B-A692-02FE1DAE9F6D}" type="datetimeFigureOut">
               <a:rPr lang="en-US" smtClean="0"/>
-              <a:t>5/2/2017</a:t>
+              <a:t>5/9/2017</a:t>
             </a:fld>
             <a:endParaRPr lang="en-US"/>
           </a:p>
@@ -1913,7 +2373,7 @@
           <a:p>
             <a:fld id="{BF4D7DE9-04F8-4F0B-A692-02FE1DAE9F6D}" type="datetimeFigureOut">
               <a:rPr lang="en-US" smtClean="0"/>
-              <a:t>5/2/2017</a:t>
+              <a:t>5/9/2017</a:t>
             </a:fld>
             <a:endParaRPr lang="en-US"/>
           </a:p>
@@ -2121,7 +2581,7 @@
           <a:p>
             <a:fld id="{BF4D7DE9-04F8-4F0B-A692-02FE1DAE9F6D}" type="datetimeFigureOut">
               <a:rPr lang="en-US" smtClean="0"/>
-              <a:t>5/2/2017</a:t>
+              <a:t>5/9/2017</a:t>
             </a:fld>
             <a:endParaRPr lang="en-US"/>
           </a:p>
@@ -2468,7 +2928,7 @@
           <a:p>
             <a:fld id="{BF4D7DE9-04F8-4F0B-A692-02FE1DAE9F6D}" type="datetimeFigureOut">
               <a:rPr lang="en-US" smtClean="0"/>
-              <a:t>5/2/2017</a:t>
+              <a:t>5/9/2017</a:t>
             </a:fld>
             <a:endParaRPr lang="en-US"/>
           </a:p>
@@ -2847,7 +3307,7 @@
           <a:p>
             <a:fld id="{BF4D7DE9-04F8-4F0B-A692-02FE1DAE9F6D}" type="datetimeFigureOut">
               <a:rPr lang="en-US" smtClean="0"/>
-              <a:t>5/2/2017</a:t>
+              <a:t>5/9/2017</a:t>
             </a:fld>
             <a:endParaRPr lang="en-US"/>
           </a:p>
@@ -3304,7 +3764,7 @@
           <a:p>
             <a:fld id="{BF4D7DE9-04F8-4F0B-A692-02FE1DAE9F6D}" type="datetimeFigureOut">
               <a:rPr lang="en-US" smtClean="0"/>
-              <a:t>5/2/2017</a:t>
+              <a:t>5/9/2017</a:t>
             </a:fld>
             <a:endParaRPr lang="en-US"/>
           </a:p>
@@ -3429,7 +3889,7 @@
           <a:p>
             <a:fld id="{BF4D7DE9-04F8-4F0B-A692-02FE1DAE9F6D}" type="datetimeFigureOut">
               <a:rPr lang="en-US" smtClean="0"/>
-              <a:t>5/2/2017</a:t>
+              <a:t>5/9/2017</a:t>
             </a:fld>
             <a:endParaRPr lang="en-US"/>
           </a:p>
@@ -3531,7 +3991,7 @@
           <a:p>
             <a:fld id="{BF4D7DE9-04F8-4F0B-A692-02FE1DAE9F6D}" type="datetimeFigureOut">
               <a:rPr lang="en-US" smtClean="0"/>
-              <a:t>5/2/2017</a:t>
+              <a:t>5/9/2017</a:t>
             </a:fld>
             <a:endParaRPr lang="en-US"/>
           </a:p>
@@ -3631,7 +4091,7 @@
           <a:p>
             <a:fld id="{BF4D7DE9-04F8-4F0B-A692-02FE1DAE9F6D}" type="datetimeFigureOut">
               <a:rPr lang="en-US" smtClean="0"/>
-              <a:t>5/2/2017</a:t>
+              <a:t>5/9/2017</a:t>
             </a:fld>
             <a:endParaRPr lang="en-US"/>
           </a:p>
@@ -3934,7 +4394,7 @@
           <a:p>
             <a:fld id="{BF4D7DE9-04F8-4F0B-A692-02FE1DAE9F6D}" type="datetimeFigureOut">
               <a:rPr lang="en-US" smtClean="0"/>
-              <a:t>5/2/2017</a:t>
+              <a:t>5/9/2017</a:t>
             </a:fld>
             <a:endParaRPr lang="en-US"/>
           </a:p>
@@ -4580,6 +5040,287 @@
       </p:grpSpPr>
       <p:sp>
         <p:nvSpPr>
+          <p:cNvPr id="7" name="Title 6"/>
+          <p:cNvSpPr>
+            <a:spLocks noGrp="1"/>
+          </p:cNvSpPr>
+          <p:nvPr>
+            <p:ph type="title"/>
+          </p:nvPr>
+        </p:nvSpPr>
+        <p:spPr/>
+        <p:txBody>
+          <a:bodyPr/>
+          <a:lstStyle/>
+          <a:p>
+            <a:r>
+              <a:rPr lang="en-US" dirty="0" smtClean="0"/>
+              <a:t>Effect of K</a:t>
+            </a:r>
+            <a:endParaRPr lang="he-IL" dirty="0"/>
+          </a:p>
+        </p:txBody>
+      </p:sp>
+      <p:sp>
+        <p:nvSpPr>
+          <p:cNvPr id="3" name="Content Placeholder 2"/>
+          <p:cNvSpPr>
+            <a:spLocks noGrp="1"/>
+          </p:cNvSpPr>
+          <p:nvPr>
+            <p:ph idx="1"/>
+          </p:nvPr>
+        </p:nvSpPr>
+        <p:spPr/>
+        <p:txBody>
+          <a:bodyPr/>
+          <a:lstStyle/>
+          <a:p>
+            <a:r>
+              <a:rPr lang="en-US" dirty="0" smtClean="0"/>
+              <a:t>Rule of thumb – Use K = </a:t>
+            </a:r>
+            <a:r>
+              <a:rPr lang="en-US" dirty="0" err="1" smtClean="0"/>
+              <a:t>sqrt</a:t>
+            </a:r>
+            <a:r>
+              <a:rPr lang="en-US" dirty="0" smtClean="0"/>
+              <a:t>(#observations)</a:t>
+            </a:r>
+            <a:endParaRPr lang="he-IL" dirty="0"/>
+          </a:p>
+        </p:txBody>
+      </p:sp>
+      <p:pic>
+        <p:nvPicPr>
+          <p:cNvPr id="8" name="Content Placeholder 5"/>
+          <p:cNvPicPr>
+            <a:picLocks noGrp="1" noChangeAspect="1"/>
+          </p:cNvPicPr>
+          <p:nvPr>
+            <p:ph idx="13"/>
+          </p:nvPr>
+        </p:nvPicPr>
+        <p:blipFill>
+          <a:blip r:embed="rId2"/>
+          <a:stretch>
+            <a:fillRect/>
+          </a:stretch>
+        </p:blipFill>
+        <p:spPr>
+          <a:xfrm>
+            <a:off x="3037605" y="2819401"/>
+            <a:ext cx="5161555" cy="3500438"/>
+          </a:xfrm>
+          <a:prstGeom prst="rect">
+            <a:avLst/>
+          </a:prstGeom>
+        </p:spPr>
+      </p:pic>
+    </p:spTree>
+    <p:extLst>
+      <p:ext uri="{BB962C8B-B14F-4D97-AF65-F5344CB8AC3E}">
+        <p14:creationId xmlns:p14="http://schemas.microsoft.com/office/powerpoint/2010/main" val="820359977"/>
+      </p:ext>
+    </p:extLst>
+  </p:cSld>
+  <p:clrMapOvr>
+    <a:masterClrMapping/>
+  </p:clrMapOvr>
+</p:sld>
+</file>
+
+<file path=ppt/slides/slide11.xml><?xml version="1.0" encoding="utf-8"?>
+<p:sld xmlns:a="http://schemas.openxmlformats.org/drawingml/2006/main" xmlns:r="http://schemas.openxmlformats.org/officeDocument/2006/relationships" xmlns:p="http://schemas.openxmlformats.org/presentationml/2006/main">
+  <p:cSld>
+    <p:spTree>
+      <p:nvGrpSpPr>
+        <p:cNvPr id="1" name=""/>
+        <p:cNvGrpSpPr/>
+        <p:nvPr/>
+      </p:nvGrpSpPr>
+      <p:grpSpPr>
+        <a:xfrm>
+          <a:off x="0" y="0"/>
+          <a:ext cx="0" cy="0"/>
+          <a:chOff x="0" y="0"/>
+          <a:chExt cx="0" cy="0"/>
+        </a:xfrm>
+      </p:grpSpPr>
+      <p:sp>
+        <p:nvSpPr>
+          <p:cNvPr id="2" name="Title 1"/>
+          <p:cNvSpPr>
+            <a:spLocks noGrp="1"/>
+          </p:cNvSpPr>
+          <p:nvPr>
+            <p:ph type="title"/>
+          </p:nvPr>
+        </p:nvSpPr>
+        <p:spPr/>
+        <p:txBody>
+          <a:bodyPr/>
+          <a:lstStyle/>
+          <a:p>
+            <a:r>
+              <a:rPr lang="en-US" dirty="0" smtClean="0"/>
+              <a:t>Effect of Model Flexibility (1/K)</a:t>
+            </a:r>
+            <a:endParaRPr lang="he-IL" dirty="0"/>
+          </a:p>
+        </p:txBody>
+      </p:sp>
+      <p:pic>
+        <p:nvPicPr>
+          <p:cNvPr id="4" name="Content Placeholder 3"/>
+          <p:cNvPicPr>
+            <a:picLocks noGrp="1" noChangeAspect="1"/>
+          </p:cNvPicPr>
+          <p:nvPr>
+            <p:ph idx="1"/>
+          </p:nvPr>
+        </p:nvPicPr>
+        <p:blipFill>
+          <a:blip r:embed="rId2"/>
+          <a:stretch>
+            <a:fillRect/>
+          </a:stretch>
+        </p:blipFill>
+        <p:spPr>
+          <a:xfrm>
+            <a:off x="3235590" y="2286000"/>
+            <a:ext cx="5296958" cy="4022725"/>
+          </a:xfrm>
+          <a:prstGeom prst="rect">
+            <a:avLst/>
+          </a:prstGeom>
+        </p:spPr>
+      </p:pic>
+      <p:sp>
+        <p:nvSpPr>
+          <p:cNvPr id="5" name="Rectangle 4"/>
+          <p:cNvSpPr/>
+          <p:nvPr/>
+        </p:nvSpPr>
+        <p:spPr>
+          <a:xfrm>
+            <a:off x="3918857" y="2514600"/>
+            <a:ext cx="4299857" cy="1045029"/>
+          </a:xfrm>
+          <a:prstGeom prst="rect">
+            <a:avLst/>
+          </a:prstGeom>
+          <a:solidFill>
+            <a:schemeClr val="bg1"/>
+          </a:solidFill>
+          <a:ln>
+            <a:noFill/>
+          </a:ln>
+        </p:spPr>
+        <p:style>
+          <a:lnRef idx="2">
+            <a:schemeClr val="accent1">
+              <a:shade val="50000"/>
+            </a:schemeClr>
+          </a:lnRef>
+          <a:fillRef idx="1">
+            <a:schemeClr val="accent1"/>
+          </a:fillRef>
+          <a:effectRef idx="0">
+            <a:schemeClr val="accent1"/>
+          </a:effectRef>
+          <a:fontRef idx="minor">
+            <a:schemeClr val="lt1"/>
+          </a:fontRef>
+        </p:style>
+        <p:txBody>
+          <a:bodyPr rtlCol="1" anchor="ctr"/>
+          <a:lstStyle/>
+          <a:p>
+            <a:pPr algn="ctr"/>
+            <a:endParaRPr lang="he-IL"/>
+          </a:p>
+        </p:txBody>
+      </p:sp>
+      <p:sp>
+        <p:nvSpPr>
+          <p:cNvPr id="6" name="Rectangle 5"/>
+          <p:cNvSpPr/>
+          <p:nvPr/>
+        </p:nvSpPr>
+        <p:spPr>
+          <a:xfrm>
+            <a:off x="5138057" y="3592286"/>
+            <a:ext cx="3102429" cy="2090057"/>
+          </a:xfrm>
+          <a:prstGeom prst="rect">
+            <a:avLst/>
+          </a:prstGeom>
+          <a:solidFill>
+            <a:schemeClr val="bg1"/>
+          </a:solidFill>
+          <a:ln>
+            <a:noFill/>
+          </a:ln>
+        </p:spPr>
+        <p:style>
+          <a:lnRef idx="2">
+            <a:schemeClr val="accent1">
+              <a:shade val="50000"/>
+            </a:schemeClr>
+          </a:lnRef>
+          <a:fillRef idx="1">
+            <a:schemeClr val="accent1"/>
+          </a:fillRef>
+          <a:effectRef idx="0">
+            <a:schemeClr val="accent1"/>
+          </a:effectRef>
+          <a:fontRef idx="minor">
+            <a:schemeClr val="lt1"/>
+          </a:fontRef>
+        </p:style>
+        <p:txBody>
+          <a:bodyPr rtlCol="1" anchor="ctr"/>
+          <a:lstStyle/>
+          <a:p>
+            <a:pPr algn="ctr"/>
+            <a:endParaRPr lang="he-IL"/>
+          </a:p>
+        </p:txBody>
+      </p:sp>
+    </p:spTree>
+    <p:extLst>
+      <p:ext uri="{BB962C8B-B14F-4D97-AF65-F5344CB8AC3E}">
+        <p14:creationId xmlns:p14="http://schemas.microsoft.com/office/powerpoint/2010/main" val="27532488"/>
+      </p:ext>
+    </p:extLst>
+  </p:cSld>
+  <p:clrMapOvr>
+    <a:masterClrMapping/>
+  </p:clrMapOvr>
+</p:sld>
+</file>
+
+<file path=ppt/slides/slide12.xml><?xml version="1.0" encoding="utf-8"?>
+<p:sld xmlns:a="http://schemas.openxmlformats.org/drawingml/2006/main" xmlns:r="http://schemas.openxmlformats.org/officeDocument/2006/relationships" xmlns:p="http://schemas.openxmlformats.org/presentationml/2006/main">
+  <p:cSld>
+    <p:spTree>
+      <p:nvGrpSpPr>
+        <p:cNvPr id="1" name=""/>
+        <p:cNvGrpSpPr/>
+        <p:nvPr/>
+      </p:nvGrpSpPr>
+      <p:grpSpPr>
+        <a:xfrm>
+          <a:off x="0" y="0"/>
+          <a:ext cx="0" cy="0"/>
+          <a:chOff x="0" y="0"/>
+          <a:chExt cx="0" cy="0"/>
+        </a:xfrm>
+      </p:grpSpPr>
+      <p:sp>
+        <p:nvSpPr>
           <p:cNvPr id="2" name="Title 1"/>
           <p:cNvSpPr>
             <a:spLocks noGrp="1"/>
@@ -4640,7 +5381,7 @@
 </p:sld>
 </file>
 
-<file path=ppt/slides/slide11.xml><?xml version="1.0" encoding="utf-8"?>
+<file path=ppt/slides/slide13.xml><?xml version="1.0" encoding="utf-8"?>
 <p:sld xmlns:a="http://schemas.openxmlformats.org/drawingml/2006/main" xmlns:r="http://schemas.openxmlformats.org/officeDocument/2006/relationships" xmlns:p="http://schemas.openxmlformats.org/presentationml/2006/main">
   <p:cSld>
     <p:spTree>
@@ -4858,6 +5599,749 @@
       </p:grpSpPr>
       <p:sp>
         <p:nvSpPr>
+          <p:cNvPr id="75778" name="Rectangle 2"/>
+          <p:cNvSpPr>
+            <a:spLocks noGrp="1" noChangeArrowheads="1"/>
+          </p:cNvSpPr>
+          <p:nvPr>
+            <p:ph type="title"/>
+          </p:nvPr>
+        </p:nvSpPr>
+        <p:spPr/>
+        <p:txBody>
+          <a:bodyPr/>
+          <a:lstStyle/>
+          <a:p>
+            <a:r>
+              <a:rPr lang="en-US" altLang="en-US" smtClean="0"/>
+              <a:t>Nearest Neighbor Classifier</a:t>
+            </a:r>
+          </a:p>
+        </p:txBody>
+      </p:sp>
+      <p:sp>
+        <p:nvSpPr>
+          <p:cNvPr id="75779" name="Rectangle 3"/>
+          <p:cNvSpPr>
+            <a:spLocks noGrp="1" noChangeArrowheads="1"/>
+          </p:cNvSpPr>
+          <p:nvPr>
+            <p:ph idx="1"/>
+          </p:nvPr>
+        </p:nvSpPr>
+        <p:spPr/>
+        <p:txBody>
+          <a:bodyPr/>
+          <a:lstStyle/>
+          <a:p>
+            <a:r>
+              <a:rPr lang="en-US" altLang="en-US" smtClean="0"/>
+              <a:t>Assign label of nearest training data point to each test data point </a:t>
+            </a:r>
+          </a:p>
+        </p:txBody>
+      </p:sp>
+      <p:sp>
+        <p:nvSpPr>
+          <p:cNvPr id="2" name="Content Placeholder 1"/>
+          <p:cNvSpPr>
+            <a:spLocks noGrp="1"/>
+          </p:cNvSpPr>
+          <p:nvPr>
+            <p:ph idx="13"/>
+          </p:nvPr>
+        </p:nvSpPr>
+        <p:spPr/>
+        <p:txBody>
+          <a:bodyPr/>
+          <a:lstStyle/>
+          <a:p>
+            <a:endParaRPr lang="he-IL"/>
+          </a:p>
+        </p:txBody>
+      </p:sp>
+      <p:pic>
+        <p:nvPicPr>
+          <p:cNvPr id="75780" name="Picture 4"/>
+          <p:cNvPicPr>
+            <a:picLocks noChangeAspect="1" noChangeArrowheads="1"/>
+          </p:cNvPicPr>
+          <p:nvPr/>
+        </p:nvPicPr>
+        <p:blipFill>
+          <a:blip r:embed="rId3">
+            <a:extLst>
+              <a:ext uri="{28A0092B-C50C-407E-A947-70E740481C1C}">
+                <a14:useLocalDpi xmlns:a14="http://schemas.microsoft.com/office/drawing/2010/main" val="0"/>
+              </a:ext>
+            </a:extLst>
+          </a:blip>
+          <a:srcRect/>
+          <a:stretch>
+            <a:fillRect/>
+          </a:stretch>
+        </p:blipFill>
+        <p:spPr bwMode="auto">
+          <a:xfrm>
+            <a:off x="3279776" y="2870200"/>
+            <a:ext cx="5630863" cy="3073400"/>
+          </a:xfrm>
+          <a:prstGeom prst="rect">
+            <a:avLst/>
+          </a:prstGeom>
+          <a:noFill/>
+          <a:ln>
+            <a:noFill/>
+          </a:ln>
+          <a:extLst>
+            <a:ext uri="{909E8E84-426E-40DD-AFC4-6F175D3DCCD1}">
+              <a14:hiddenFill xmlns:a14="http://schemas.microsoft.com/office/drawing/2010/main">
+                <a:solidFill>
+                  <a:srgbClr val="FFFFFF"/>
+                </a:solidFill>
+              </a14:hiddenFill>
+            </a:ext>
+            <a:ext uri="{91240B29-F687-4F45-9708-019B960494DF}">
+              <a14:hiddenLine xmlns:a14="http://schemas.microsoft.com/office/drawing/2010/main" w="9525">
+                <a:solidFill>
+                  <a:srgbClr val="000000"/>
+                </a:solidFill>
+                <a:miter lim="800000"/>
+                <a:headEnd/>
+                <a:tailEnd/>
+              </a14:hiddenLine>
+            </a:ext>
+          </a:extLst>
+        </p:spPr>
+      </p:pic>
+      <p:sp>
+        <p:nvSpPr>
+          <p:cNvPr id="75781" name="Text Box 5"/>
+          <p:cNvSpPr txBox="1">
+            <a:spLocks noChangeArrowheads="1"/>
+          </p:cNvSpPr>
+          <p:nvPr/>
+        </p:nvSpPr>
+        <p:spPr bwMode="auto">
+          <a:xfrm>
+            <a:off x="4713707" y="6051551"/>
+            <a:ext cx="2762999" cy="646331"/>
+          </a:xfrm>
+          <a:prstGeom prst="rect">
+            <a:avLst/>
+          </a:prstGeom>
+          <a:noFill/>
+          <a:ln>
+            <a:noFill/>
+          </a:ln>
+          <a:extLst>
+            <a:ext uri="{909E8E84-426E-40DD-AFC4-6F175D3DCCD1}">
+              <a14:hiddenFill xmlns:a14="http://schemas.microsoft.com/office/drawing/2010/main">
+                <a:solidFill>
+                  <a:srgbClr val="FFFFFF"/>
+                </a:solidFill>
+              </a14:hiddenFill>
+            </a:ext>
+            <a:ext uri="{91240B29-F687-4F45-9708-019B960494DF}">
+              <a14:hiddenLine xmlns:a14="http://schemas.microsoft.com/office/drawing/2010/main" w="9525">
+                <a:solidFill>
+                  <a:srgbClr val="000000"/>
+                </a:solidFill>
+                <a:miter lim="800000"/>
+                <a:headEnd/>
+                <a:tailEnd/>
+              </a14:hiddenLine>
+            </a:ext>
+          </a:extLst>
+        </p:spPr>
+        <p:txBody>
+          <a:bodyPr wrap="none">
+            <a:spAutoFit/>
+          </a:bodyPr>
+          <a:lstStyle>
+            <a:lvl1pPr eaLnBrk="0" hangingPunct="0">
+              <a:spcBef>
+                <a:spcPct val="40000"/>
+              </a:spcBef>
+              <a:buChar char="•"/>
+              <a:defRPr sz="2400">
+                <a:solidFill>
+                  <a:schemeClr val="tx1"/>
+                </a:solidFill>
+                <a:latin typeface="Times" panose="02020603050405020304" pitchFamily="18" charset="0"/>
+              </a:defRPr>
+            </a:lvl1pPr>
+            <a:lvl2pPr marL="742950" indent="-285750" eaLnBrk="0" hangingPunct="0">
+              <a:spcBef>
+                <a:spcPct val="20000"/>
+              </a:spcBef>
+              <a:buChar char="–"/>
+              <a:defRPr sz="2400">
+                <a:solidFill>
+                  <a:schemeClr val="tx1"/>
+                </a:solidFill>
+                <a:latin typeface="Times" panose="02020603050405020304" pitchFamily="18" charset="0"/>
+              </a:defRPr>
+            </a:lvl2pPr>
+            <a:lvl3pPr marL="1143000" indent="-228600" eaLnBrk="0" hangingPunct="0">
+              <a:spcBef>
+                <a:spcPct val="20000"/>
+              </a:spcBef>
+              <a:buChar char="•"/>
+              <a:defRPr sz="2400">
+                <a:solidFill>
+                  <a:schemeClr val="tx1"/>
+                </a:solidFill>
+                <a:latin typeface="Times" panose="02020603050405020304" pitchFamily="18" charset="0"/>
+              </a:defRPr>
+            </a:lvl3pPr>
+            <a:lvl4pPr marL="1600200" indent="-228600" eaLnBrk="0" hangingPunct="0">
+              <a:spcBef>
+                <a:spcPct val="20000"/>
+              </a:spcBef>
+              <a:buChar char="–"/>
+              <a:defRPr sz="2400">
+                <a:solidFill>
+                  <a:schemeClr val="tx1"/>
+                </a:solidFill>
+                <a:latin typeface="Times" panose="02020603050405020304" pitchFamily="18" charset="0"/>
+              </a:defRPr>
+            </a:lvl4pPr>
+            <a:lvl5pPr marL="2057400" indent="-228600" eaLnBrk="0" hangingPunct="0">
+              <a:spcBef>
+                <a:spcPct val="20000"/>
+              </a:spcBef>
+              <a:buChar char="»"/>
+              <a:defRPr sz="2400">
+                <a:solidFill>
+                  <a:schemeClr val="tx1"/>
+                </a:solidFill>
+                <a:latin typeface="Times" panose="02020603050405020304" pitchFamily="18" charset="0"/>
+              </a:defRPr>
+            </a:lvl5pPr>
+            <a:lvl6pPr marL="2514600" indent="-228600" algn="l" rtl="0" eaLnBrk="0" fontAlgn="base" hangingPunct="0">
+              <a:spcBef>
+                <a:spcPct val="20000"/>
+              </a:spcBef>
+              <a:spcAft>
+                <a:spcPct val="0"/>
+              </a:spcAft>
+              <a:buChar char="»"/>
+              <a:defRPr sz="2400">
+                <a:solidFill>
+                  <a:schemeClr val="tx1"/>
+                </a:solidFill>
+                <a:latin typeface="Times" panose="02020603050405020304" pitchFamily="18" charset="0"/>
+              </a:defRPr>
+            </a:lvl6pPr>
+            <a:lvl7pPr marL="2971800" indent="-228600" algn="l" rtl="0" eaLnBrk="0" fontAlgn="base" hangingPunct="0">
+              <a:spcBef>
+                <a:spcPct val="20000"/>
+              </a:spcBef>
+              <a:spcAft>
+                <a:spcPct val="0"/>
+              </a:spcAft>
+              <a:buChar char="»"/>
+              <a:defRPr sz="2400">
+                <a:solidFill>
+                  <a:schemeClr val="tx1"/>
+                </a:solidFill>
+                <a:latin typeface="Times" panose="02020603050405020304" pitchFamily="18" charset="0"/>
+              </a:defRPr>
+            </a:lvl7pPr>
+            <a:lvl8pPr marL="3429000" indent="-228600" algn="l" rtl="0" eaLnBrk="0" fontAlgn="base" hangingPunct="0">
+              <a:spcBef>
+                <a:spcPct val="20000"/>
+              </a:spcBef>
+              <a:spcAft>
+                <a:spcPct val="0"/>
+              </a:spcAft>
+              <a:buChar char="»"/>
+              <a:defRPr sz="2400">
+                <a:solidFill>
+                  <a:schemeClr val="tx1"/>
+                </a:solidFill>
+                <a:latin typeface="Times" panose="02020603050405020304" pitchFamily="18" charset="0"/>
+              </a:defRPr>
+            </a:lvl8pPr>
+            <a:lvl9pPr marL="3886200" indent="-228600" algn="l" rtl="0" eaLnBrk="0" fontAlgn="base" hangingPunct="0">
+              <a:spcBef>
+                <a:spcPct val="20000"/>
+              </a:spcBef>
+              <a:spcAft>
+                <a:spcPct val="0"/>
+              </a:spcAft>
+              <a:buChar char="»"/>
+              <a:defRPr sz="2400">
+                <a:solidFill>
+                  <a:schemeClr val="tx1"/>
+                </a:solidFill>
+                <a:latin typeface="Times" panose="02020603050405020304" pitchFamily="18" charset="0"/>
+              </a:defRPr>
+            </a:lvl9pPr>
+          </a:lstStyle>
+          <a:p>
+            <a:pPr algn="ctr" eaLnBrk="1" hangingPunct="1">
+              <a:spcBef>
+                <a:spcPct val="0"/>
+              </a:spcBef>
+              <a:buFontTx/>
+              <a:buNone/>
+            </a:pPr>
+            <a:r>
+              <a:rPr lang="en-US" altLang="en-US" sz="1800" dirty="0" err="1">
+                <a:solidFill>
+                  <a:srgbClr val="000000"/>
+                </a:solidFill>
+                <a:latin typeface="+mj-lt"/>
+              </a:rPr>
+              <a:t>Voronoi</a:t>
+            </a:r>
+            <a:r>
+              <a:rPr lang="en-US" altLang="en-US" sz="1800" dirty="0">
+                <a:solidFill>
+                  <a:srgbClr val="000000"/>
+                </a:solidFill>
+                <a:latin typeface="+mj-lt"/>
+              </a:rPr>
+              <a:t> partitioning of feature space </a:t>
+            </a:r>
+          </a:p>
+          <a:p>
+            <a:pPr algn="ctr" eaLnBrk="1" hangingPunct="1">
+              <a:spcBef>
+                <a:spcPct val="0"/>
+              </a:spcBef>
+              <a:buFontTx/>
+              <a:buNone/>
+            </a:pPr>
+            <a:r>
+              <a:rPr lang="en-US" altLang="en-US" sz="1800" dirty="0">
+                <a:solidFill>
+                  <a:srgbClr val="000000"/>
+                </a:solidFill>
+                <a:latin typeface="+mj-lt"/>
+              </a:rPr>
+              <a:t>for two-category 2D and 3D data</a:t>
+            </a:r>
+          </a:p>
+        </p:txBody>
+      </p:sp>
+      <p:sp>
+        <p:nvSpPr>
+          <p:cNvPr id="75782" name="Text Box 6"/>
+          <p:cNvSpPr txBox="1">
+            <a:spLocks noChangeArrowheads="1"/>
+          </p:cNvSpPr>
+          <p:nvPr/>
+        </p:nvSpPr>
+        <p:spPr bwMode="auto">
+          <a:xfrm>
+            <a:off x="3251201" y="5829301"/>
+            <a:ext cx="919163" cy="214313"/>
+          </a:xfrm>
+          <a:prstGeom prst="rect">
+            <a:avLst/>
+          </a:prstGeom>
+          <a:solidFill>
+            <a:schemeClr val="bg1"/>
+          </a:solidFill>
+          <a:ln>
+            <a:noFill/>
+          </a:ln>
+          <a:extLst>
+            <a:ext uri="{91240B29-F687-4F45-9708-019B960494DF}">
+              <a14:hiddenLine xmlns:a14="http://schemas.microsoft.com/office/drawing/2010/main" w="9525">
+                <a:solidFill>
+                  <a:srgbClr val="000000"/>
+                </a:solidFill>
+                <a:miter lim="800000"/>
+                <a:headEnd/>
+                <a:tailEnd/>
+              </a14:hiddenLine>
+            </a:ext>
+          </a:extLst>
+        </p:spPr>
+        <p:txBody>
+          <a:bodyPr wrap="none">
+            <a:spAutoFit/>
+          </a:bodyPr>
+          <a:lstStyle>
+            <a:lvl1pPr eaLnBrk="0" hangingPunct="0">
+              <a:spcBef>
+                <a:spcPct val="40000"/>
+              </a:spcBef>
+              <a:buChar char="•"/>
+              <a:defRPr sz="2400">
+                <a:solidFill>
+                  <a:schemeClr val="tx1"/>
+                </a:solidFill>
+                <a:latin typeface="Times" panose="02020603050405020304" pitchFamily="18" charset="0"/>
+              </a:defRPr>
+            </a:lvl1pPr>
+            <a:lvl2pPr marL="742950" indent="-285750" eaLnBrk="0" hangingPunct="0">
+              <a:spcBef>
+                <a:spcPct val="20000"/>
+              </a:spcBef>
+              <a:buChar char="–"/>
+              <a:defRPr sz="2400">
+                <a:solidFill>
+                  <a:schemeClr val="tx1"/>
+                </a:solidFill>
+                <a:latin typeface="Times" panose="02020603050405020304" pitchFamily="18" charset="0"/>
+              </a:defRPr>
+            </a:lvl2pPr>
+            <a:lvl3pPr marL="1143000" indent="-228600" eaLnBrk="0" hangingPunct="0">
+              <a:spcBef>
+                <a:spcPct val="20000"/>
+              </a:spcBef>
+              <a:buChar char="•"/>
+              <a:defRPr sz="2400">
+                <a:solidFill>
+                  <a:schemeClr val="tx1"/>
+                </a:solidFill>
+                <a:latin typeface="Times" panose="02020603050405020304" pitchFamily="18" charset="0"/>
+              </a:defRPr>
+            </a:lvl3pPr>
+            <a:lvl4pPr marL="1600200" indent="-228600" eaLnBrk="0" hangingPunct="0">
+              <a:spcBef>
+                <a:spcPct val="20000"/>
+              </a:spcBef>
+              <a:buChar char="–"/>
+              <a:defRPr sz="2400">
+                <a:solidFill>
+                  <a:schemeClr val="tx1"/>
+                </a:solidFill>
+                <a:latin typeface="Times" panose="02020603050405020304" pitchFamily="18" charset="0"/>
+              </a:defRPr>
+            </a:lvl4pPr>
+            <a:lvl5pPr marL="2057400" indent="-228600" eaLnBrk="0" hangingPunct="0">
+              <a:spcBef>
+                <a:spcPct val="20000"/>
+              </a:spcBef>
+              <a:buChar char="»"/>
+              <a:defRPr sz="2400">
+                <a:solidFill>
+                  <a:schemeClr val="tx1"/>
+                </a:solidFill>
+                <a:latin typeface="Times" panose="02020603050405020304" pitchFamily="18" charset="0"/>
+              </a:defRPr>
+            </a:lvl5pPr>
+            <a:lvl6pPr marL="2514600" indent="-228600" algn="l" rtl="0" eaLnBrk="0" fontAlgn="base" hangingPunct="0">
+              <a:spcBef>
+                <a:spcPct val="20000"/>
+              </a:spcBef>
+              <a:spcAft>
+                <a:spcPct val="0"/>
+              </a:spcAft>
+              <a:buChar char="»"/>
+              <a:defRPr sz="2400">
+                <a:solidFill>
+                  <a:schemeClr val="tx1"/>
+                </a:solidFill>
+                <a:latin typeface="Times" panose="02020603050405020304" pitchFamily="18" charset="0"/>
+              </a:defRPr>
+            </a:lvl6pPr>
+            <a:lvl7pPr marL="2971800" indent="-228600" algn="l" rtl="0" eaLnBrk="0" fontAlgn="base" hangingPunct="0">
+              <a:spcBef>
+                <a:spcPct val="20000"/>
+              </a:spcBef>
+              <a:spcAft>
+                <a:spcPct val="0"/>
+              </a:spcAft>
+              <a:buChar char="»"/>
+              <a:defRPr sz="2400">
+                <a:solidFill>
+                  <a:schemeClr val="tx1"/>
+                </a:solidFill>
+                <a:latin typeface="Times" panose="02020603050405020304" pitchFamily="18" charset="0"/>
+              </a:defRPr>
+            </a:lvl7pPr>
+            <a:lvl8pPr marL="3429000" indent="-228600" algn="l" rtl="0" eaLnBrk="0" fontAlgn="base" hangingPunct="0">
+              <a:spcBef>
+                <a:spcPct val="20000"/>
+              </a:spcBef>
+              <a:spcAft>
+                <a:spcPct val="0"/>
+              </a:spcAft>
+              <a:buChar char="»"/>
+              <a:defRPr sz="2400">
+                <a:solidFill>
+                  <a:schemeClr val="tx1"/>
+                </a:solidFill>
+                <a:latin typeface="Times" panose="02020603050405020304" pitchFamily="18" charset="0"/>
+              </a:defRPr>
+            </a:lvl8pPr>
+            <a:lvl9pPr marL="3886200" indent="-228600" algn="l" rtl="0" eaLnBrk="0" fontAlgn="base" hangingPunct="0">
+              <a:spcBef>
+                <a:spcPct val="20000"/>
+              </a:spcBef>
+              <a:spcAft>
+                <a:spcPct val="0"/>
+              </a:spcAft>
+              <a:buChar char="»"/>
+              <a:defRPr sz="2400">
+                <a:solidFill>
+                  <a:schemeClr val="tx1"/>
+                </a:solidFill>
+                <a:latin typeface="Times" panose="02020603050405020304" pitchFamily="18" charset="0"/>
+              </a:defRPr>
+            </a:lvl9pPr>
+          </a:lstStyle>
+          <a:p>
+            <a:pPr algn="r" eaLnBrk="1" hangingPunct="1">
+              <a:spcBef>
+                <a:spcPct val="0"/>
+              </a:spcBef>
+              <a:buFontTx/>
+              <a:buNone/>
+            </a:pPr>
+            <a:r>
+              <a:rPr lang="en-US" altLang="en-US" sz="800">
+                <a:solidFill>
+                  <a:srgbClr val="000000"/>
+                </a:solidFill>
+                <a:latin typeface="Tahoma" panose="020B0604030504040204" pitchFamily="34" charset="0"/>
+              </a:rPr>
+              <a:t>from Duda </a:t>
+            </a:r>
+            <a:r>
+              <a:rPr lang="en-US" altLang="en-US" sz="800" i="1">
+                <a:solidFill>
+                  <a:srgbClr val="000000"/>
+                </a:solidFill>
+                <a:latin typeface="Tahoma" panose="020B0604030504040204" pitchFamily="34" charset="0"/>
+              </a:rPr>
+              <a:t>et al.</a:t>
+            </a:r>
+          </a:p>
+        </p:txBody>
+      </p:sp>
+      <p:sp>
+        <p:nvSpPr>
+          <p:cNvPr id="75783" name="Text Box 7"/>
+          <p:cNvSpPr txBox="1">
+            <a:spLocks noChangeArrowheads="1"/>
+          </p:cNvSpPr>
+          <p:nvPr/>
+        </p:nvSpPr>
+        <p:spPr bwMode="auto">
+          <a:xfrm>
+            <a:off x="9280525" y="6477000"/>
+            <a:ext cx="1308100" cy="274638"/>
+          </a:xfrm>
+          <a:prstGeom prst="rect">
+            <a:avLst/>
+          </a:prstGeom>
+          <a:noFill/>
+          <a:ln>
+            <a:noFill/>
+          </a:ln>
+          <a:extLst>
+            <a:ext uri="{909E8E84-426E-40DD-AFC4-6F175D3DCCD1}">
+              <a14:hiddenFill xmlns:a14="http://schemas.microsoft.com/office/drawing/2010/main">
+                <a:solidFill>
+                  <a:srgbClr val="FFFFFF"/>
+                </a:solidFill>
+              </a14:hiddenFill>
+            </a:ext>
+            <a:ext uri="{91240B29-F687-4F45-9708-019B960494DF}">
+              <a14:hiddenLine xmlns:a14="http://schemas.microsoft.com/office/drawing/2010/main" w="9525">
+                <a:solidFill>
+                  <a:srgbClr val="000000"/>
+                </a:solidFill>
+                <a:miter lim="800000"/>
+                <a:headEnd/>
+                <a:tailEnd/>
+              </a14:hiddenLine>
+            </a:ext>
+          </a:extLst>
+        </p:spPr>
+        <p:txBody>
+          <a:bodyPr wrap="none">
+            <a:spAutoFit/>
+          </a:bodyPr>
+          <a:lstStyle>
+            <a:lvl1pPr eaLnBrk="0" hangingPunct="0">
+              <a:spcBef>
+                <a:spcPct val="40000"/>
+              </a:spcBef>
+              <a:buChar char="•"/>
+              <a:defRPr sz="2400">
+                <a:solidFill>
+                  <a:schemeClr val="tx1"/>
+                </a:solidFill>
+                <a:latin typeface="Times" panose="02020603050405020304" pitchFamily="18" charset="0"/>
+              </a:defRPr>
+            </a:lvl1pPr>
+            <a:lvl2pPr marL="742950" indent="-285750" eaLnBrk="0" hangingPunct="0">
+              <a:spcBef>
+                <a:spcPct val="20000"/>
+              </a:spcBef>
+              <a:buChar char="–"/>
+              <a:defRPr sz="2400">
+                <a:solidFill>
+                  <a:schemeClr val="tx1"/>
+                </a:solidFill>
+                <a:latin typeface="Times" panose="02020603050405020304" pitchFamily="18" charset="0"/>
+              </a:defRPr>
+            </a:lvl2pPr>
+            <a:lvl3pPr marL="1143000" indent="-228600" eaLnBrk="0" hangingPunct="0">
+              <a:spcBef>
+                <a:spcPct val="20000"/>
+              </a:spcBef>
+              <a:buChar char="•"/>
+              <a:defRPr sz="2400">
+                <a:solidFill>
+                  <a:schemeClr val="tx1"/>
+                </a:solidFill>
+                <a:latin typeface="Times" panose="02020603050405020304" pitchFamily="18" charset="0"/>
+              </a:defRPr>
+            </a:lvl3pPr>
+            <a:lvl4pPr marL="1600200" indent="-228600" eaLnBrk="0" hangingPunct="0">
+              <a:spcBef>
+                <a:spcPct val="20000"/>
+              </a:spcBef>
+              <a:buChar char="–"/>
+              <a:defRPr sz="2400">
+                <a:solidFill>
+                  <a:schemeClr val="tx1"/>
+                </a:solidFill>
+                <a:latin typeface="Times" panose="02020603050405020304" pitchFamily="18" charset="0"/>
+              </a:defRPr>
+            </a:lvl4pPr>
+            <a:lvl5pPr marL="2057400" indent="-228600" eaLnBrk="0" hangingPunct="0">
+              <a:spcBef>
+                <a:spcPct val="20000"/>
+              </a:spcBef>
+              <a:buChar char="»"/>
+              <a:defRPr sz="2400">
+                <a:solidFill>
+                  <a:schemeClr val="tx1"/>
+                </a:solidFill>
+                <a:latin typeface="Times" panose="02020603050405020304" pitchFamily="18" charset="0"/>
+              </a:defRPr>
+            </a:lvl5pPr>
+            <a:lvl6pPr marL="2514600" indent="-228600" algn="l" rtl="0" eaLnBrk="0" fontAlgn="base" hangingPunct="0">
+              <a:spcBef>
+                <a:spcPct val="20000"/>
+              </a:spcBef>
+              <a:spcAft>
+                <a:spcPct val="0"/>
+              </a:spcAft>
+              <a:buChar char="»"/>
+              <a:defRPr sz="2400">
+                <a:solidFill>
+                  <a:schemeClr val="tx1"/>
+                </a:solidFill>
+                <a:latin typeface="Times" panose="02020603050405020304" pitchFamily="18" charset="0"/>
+              </a:defRPr>
+            </a:lvl6pPr>
+            <a:lvl7pPr marL="2971800" indent="-228600" algn="l" rtl="0" eaLnBrk="0" fontAlgn="base" hangingPunct="0">
+              <a:spcBef>
+                <a:spcPct val="20000"/>
+              </a:spcBef>
+              <a:spcAft>
+                <a:spcPct val="0"/>
+              </a:spcAft>
+              <a:buChar char="»"/>
+              <a:defRPr sz="2400">
+                <a:solidFill>
+                  <a:schemeClr val="tx1"/>
+                </a:solidFill>
+                <a:latin typeface="Times" panose="02020603050405020304" pitchFamily="18" charset="0"/>
+              </a:defRPr>
+            </a:lvl7pPr>
+            <a:lvl8pPr marL="3429000" indent="-228600" algn="l" rtl="0" eaLnBrk="0" fontAlgn="base" hangingPunct="0">
+              <a:spcBef>
+                <a:spcPct val="20000"/>
+              </a:spcBef>
+              <a:spcAft>
+                <a:spcPct val="0"/>
+              </a:spcAft>
+              <a:buChar char="»"/>
+              <a:defRPr sz="2400">
+                <a:solidFill>
+                  <a:schemeClr val="tx1"/>
+                </a:solidFill>
+                <a:latin typeface="Times" panose="02020603050405020304" pitchFamily="18" charset="0"/>
+              </a:defRPr>
+            </a:lvl8pPr>
+            <a:lvl9pPr marL="3886200" indent="-228600" algn="l" rtl="0" eaLnBrk="0" fontAlgn="base" hangingPunct="0">
+              <a:spcBef>
+                <a:spcPct val="20000"/>
+              </a:spcBef>
+              <a:spcAft>
+                <a:spcPct val="0"/>
+              </a:spcAft>
+              <a:buChar char="»"/>
+              <a:defRPr sz="2400">
+                <a:solidFill>
+                  <a:schemeClr val="tx1"/>
+                </a:solidFill>
+                <a:latin typeface="Times" panose="02020603050405020304" pitchFamily="18" charset="0"/>
+              </a:defRPr>
+            </a:lvl9pPr>
+          </a:lstStyle>
+          <a:p>
+            <a:pPr>
+              <a:spcBef>
+                <a:spcPct val="0"/>
+              </a:spcBef>
+              <a:buFontTx/>
+              <a:buNone/>
+            </a:pPr>
+            <a:r>
+              <a:rPr lang="en-US" altLang="en-US" sz="1200">
+                <a:solidFill>
+                  <a:srgbClr val="A6A6A6"/>
+                </a:solidFill>
+                <a:latin typeface="Arial" panose="020B0604020202020204" pitchFamily="34" charset="0"/>
+              </a:rPr>
+              <a:t>Source: D. Lowe</a:t>
+            </a:r>
+          </a:p>
+        </p:txBody>
+      </p:sp>
+    </p:spTree>
+    <p:extLst>
+      <p:ext uri="{BB962C8B-B14F-4D97-AF65-F5344CB8AC3E}">
+        <p14:creationId xmlns:p14="http://schemas.microsoft.com/office/powerpoint/2010/main" val="2077310474"/>
+      </p:ext>
+    </p:extLst>
+  </p:cSld>
+  <p:clrMapOvr>
+    <a:masterClrMapping/>
+  </p:clrMapOvr>
+  <p:timing>
+    <p:tnLst>
+      <p:par>
+        <p:cTn id="1" dur="indefinite" restart="never" nodeType="tmRoot"/>
+      </p:par>
+    </p:tnLst>
+  </p:timing>
+</p:sld>
+</file>
+
+<file path=ppt/slides/slide4.xml><?xml version="1.0" encoding="utf-8"?>
+<p:sld xmlns:a="http://schemas.openxmlformats.org/drawingml/2006/main" xmlns:r="http://schemas.openxmlformats.org/officeDocument/2006/relationships" xmlns:p="http://schemas.openxmlformats.org/presentationml/2006/main">
+  <p:cSld>
+    <p:spTree>
+      <p:nvGrpSpPr>
+        <p:cNvPr id="1" name=""/>
+        <p:cNvGrpSpPr/>
+        <p:nvPr/>
+      </p:nvGrpSpPr>
+      <p:grpSpPr>
+        <a:xfrm>
+          <a:off x="0" y="0"/>
+          <a:ext cx="0" cy="0"/>
+          <a:chOff x="0" y="0"/>
+          <a:chExt cx="0" cy="0"/>
+        </a:xfrm>
+      </p:grpSpPr>
+      <p:sp>
+        <p:nvSpPr>
           <p:cNvPr id="2" name="Title 1"/>
           <p:cNvSpPr>
             <a:spLocks noGrp="1"/>
@@ -4897,8 +6381,32 @@
         </p:blipFill>
         <p:spPr>
           <a:xfrm>
-            <a:off x="847879" y="2808514"/>
+            <a:off x="847879" y="3271976"/>
             <a:ext cx="10072380" cy="2977696"/>
+          </a:xfrm>
+          <a:prstGeom prst="rect">
+            <a:avLst/>
+          </a:prstGeom>
+        </p:spPr>
+      </p:pic>
+      <p:pic>
+        <p:nvPicPr>
+          <p:cNvPr id="5" name="Picture 4"/>
+          <p:cNvPicPr>
+            <a:picLocks noChangeAspect="1"/>
+          </p:cNvPicPr>
+          <p:nvPr/>
+        </p:nvPicPr>
+        <p:blipFill>
+          <a:blip r:embed="rId3"/>
+          <a:stretch>
+            <a:fillRect/>
+          </a:stretch>
+        </p:blipFill>
+        <p:spPr>
+          <a:xfrm>
+            <a:off x="911138" y="2304201"/>
+            <a:ext cx="9467850" cy="771525"/>
           </a:xfrm>
           <a:prstGeom prst="rect">
             <a:avLst/>
@@ -4925,7 +6433,7 @@
 </p:sld>
 </file>
 
-<file path=ppt/slides/slide4.xml><?xml version="1.0" encoding="utf-8"?>
+<file path=ppt/slides/slide5.xml><?xml version="1.0" encoding="utf-8"?>
 <p:sld xmlns:a="http://schemas.openxmlformats.org/drawingml/2006/main" xmlns:r="http://schemas.openxmlformats.org/officeDocument/2006/relationships" xmlns:p="http://schemas.openxmlformats.org/presentationml/2006/main">
   <p:cSld>
     <p:spTree>
@@ -5128,7 +6636,7 @@
 </p:sld>
 </file>
 
-<file path=ppt/slides/slide5.xml><?xml version="1.0" encoding="utf-8"?>
+<file path=ppt/slides/slide6.xml><?xml version="1.0" encoding="utf-8"?>
 <p:sld xmlns:a="http://schemas.openxmlformats.org/drawingml/2006/main" xmlns:r="http://schemas.openxmlformats.org/officeDocument/2006/relationships" xmlns:p="http://schemas.openxmlformats.org/presentationml/2006/main">
   <p:cSld>
     <p:spTree>
@@ -5168,51 +6676,630 @@
           </a:p>
         </p:txBody>
       </p:sp>
-      <p:sp>
-        <p:nvSpPr>
-          <p:cNvPr id="3" name="Content Placeholder 2"/>
-          <p:cNvSpPr>
-            <a:spLocks noGrp="1"/>
-          </p:cNvSpPr>
+      <p:graphicFrame>
+        <p:nvGraphicFramePr>
+          <p:cNvPr id="5" name="Content Placeholder 4"/>
+          <p:cNvGraphicFramePr>
+            <a:graphicFrameLocks noGrp="1"/>
+          </p:cNvGraphicFramePr>
           <p:nvPr>
             <p:ph idx="1"/>
-          </p:nvPr>
-        </p:nvSpPr>
-        <p:spPr/>
-        <p:txBody>
-          <a:bodyPr/>
-          <a:lstStyle/>
-          <a:p>
-            <a:r>
-              <a:rPr lang="en-US" dirty="0" smtClean="0"/>
-              <a:t>Manhattan distance</a:t>
-            </a:r>
-          </a:p>
-          <a:p>
-            <a:r>
-              <a:rPr lang="en-US" dirty="0" smtClean="0"/>
-              <a:t>Euclidean</a:t>
-            </a:r>
-          </a:p>
-          <a:p>
-            <a:r>
-              <a:rPr lang="en-US" dirty="0" err="1" smtClean="0"/>
-              <a:t>Jaccard</a:t>
-            </a:r>
-            <a:endParaRPr lang="en-US" dirty="0" smtClean="0"/>
-          </a:p>
-          <a:p>
-            <a:r>
-              <a:rPr lang="en-US" dirty="0" err="1" smtClean="0"/>
-              <a:t>Minkowsky</a:t>
-            </a:r>
-            <a:endParaRPr lang="en-US" dirty="0"/>
-          </a:p>
-          <a:p>
-            <a:endParaRPr lang="he-IL" dirty="0"/>
-          </a:p>
-        </p:txBody>
-      </p:sp>
+            <p:extLst>
+              <p:ext uri="{D42A27DB-BD31-4B8C-83A1-F6EECF244321}">
+                <p14:modId xmlns:p14="http://schemas.microsoft.com/office/powerpoint/2010/main" val="2141359627"/>
+              </p:ext>
+            </p:extLst>
+          </p:nvPr>
+        </p:nvGraphicFramePr>
+        <p:xfrm>
+          <a:off x="1023939" y="2286000"/>
+          <a:ext cx="4387306" cy="4023360"/>
+        </p:xfrm>
+        <a:graphic>
+          <a:graphicData uri="http://schemas.openxmlformats.org/drawingml/2006/table">
+            <a:tbl>
+              <a:tblPr rtl="1" bandRow="1">
+                <a:tableStyleId>{5C22544A-7EE6-4342-B048-85BDC9FD1C3A}</a:tableStyleId>
+              </a:tblPr>
+              <a:tblGrid>
+                <a:gridCol w="2669264"/>
+                <a:gridCol w="1718042"/>
+              </a:tblGrid>
+              <a:tr h="370840">
+                <a:tc>
+                  <a:txBody>
+                    <a:bodyPr/>
+                    <a:lstStyle/>
+                    <a:p>
+                      <a:endParaRPr lang="en-US" dirty="0" smtClean="0"/>
+                    </a:p>
+                    <a:p>
+                      <a:endParaRPr lang="en-US" dirty="0" smtClean="0"/>
+                    </a:p>
+                    <a:p>
+                      <a:endParaRPr lang="he-IL" dirty="0" smtClean="0"/>
+                    </a:p>
+                  </a:txBody>
+                  <a:tcPr/>
+                </a:tc>
+                <a:tc>
+                  <a:txBody>
+                    <a:bodyPr/>
+                    <a:lstStyle/>
+                    <a:p>
+                      <a:pPr marL="0" marR="0" indent="0" algn="l" defTabSz="914400" rtl="1" eaLnBrk="1" fontAlgn="auto" latinLnBrk="0" hangingPunct="1">
+                        <a:lnSpc>
+                          <a:spcPct val="100000"/>
+                        </a:lnSpc>
+                        <a:spcBef>
+                          <a:spcPts val="0"/>
+                        </a:spcBef>
+                        <a:spcAft>
+                          <a:spcPts val="0"/>
+                        </a:spcAft>
+                        <a:buClrTx/>
+                        <a:buSzTx/>
+                        <a:buFontTx/>
+                        <a:buNone/>
+                        <a:tabLst/>
+                        <a:defRPr/>
+                      </a:pPr>
+                      <a:r>
+                        <a:rPr lang="en-US" dirty="0" smtClean="0"/>
+                        <a:t>Manhattan distance</a:t>
+                      </a:r>
+                    </a:p>
+                  </a:txBody>
+                  <a:tcPr/>
+                </a:tc>
+              </a:tr>
+              <a:tr h="370840">
+                <a:tc>
+                  <a:txBody>
+                    <a:bodyPr/>
+                    <a:lstStyle/>
+                    <a:p>
+                      <a:pPr rtl="1"/>
+                      <a:endParaRPr lang="en-US" dirty="0" smtClean="0"/>
+                    </a:p>
+                    <a:p>
+                      <a:pPr rtl="1"/>
+                      <a:endParaRPr lang="he-IL" dirty="0"/>
+                    </a:p>
+                  </a:txBody>
+                  <a:tcPr/>
+                </a:tc>
+                <a:tc>
+                  <a:txBody>
+                    <a:bodyPr/>
+                    <a:lstStyle/>
+                    <a:p>
+                      <a:pPr rtl="1"/>
+                      <a:r>
+                        <a:rPr lang="en-US" dirty="0" smtClean="0"/>
+                        <a:t>Euclidean</a:t>
+                      </a:r>
+                      <a:endParaRPr lang="he-IL" dirty="0"/>
+                    </a:p>
+                  </a:txBody>
+                  <a:tcPr/>
+                </a:tc>
+              </a:tr>
+              <a:tr h="370840">
+                <a:tc>
+                  <a:txBody>
+                    <a:bodyPr/>
+                    <a:lstStyle/>
+                    <a:p>
+                      <a:pPr rtl="1"/>
+                      <a:endParaRPr lang="en-US" dirty="0" smtClean="0"/>
+                    </a:p>
+                    <a:p>
+                      <a:pPr rtl="1"/>
+                      <a:endParaRPr lang="en-US" dirty="0" smtClean="0"/>
+                    </a:p>
+                    <a:p>
+                      <a:pPr rtl="1"/>
+                      <a:endParaRPr lang="en-US" dirty="0" smtClean="0"/>
+                    </a:p>
+                    <a:p>
+                      <a:pPr rtl="1"/>
+                      <a:endParaRPr lang="he-IL" dirty="0"/>
+                    </a:p>
+                  </a:txBody>
+                  <a:tcPr/>
+                </a:tc>
+                <a:tc>
+                  <a:txBody>
+                    <a:bodyPr/>
+                    <a:lstStyle/>
+                    <a:p>
+                      <a:pPr rtl="1"/>
+                      <a:r>
+                        <a:rPr lang="en-US" dirty="0" err="1" smtClean="0"/>
+                        <a:t>Minkowsky</a:t>
+                      </a:r>
+                      <a:endParaRPr lang="he-IL" dirty="0"/>
+                    </a:p>
+                  </a:txBody>
+                  <a:tcPr/>
+                </a:tc>
+              </a:tr>
+              <a:tr h="370840">
+                <a:tc>
+                  <a:txBody>
+                    <a:bodyPr/>
+                    <a:lstStyle/>
+                    <a:p>
+                      <a:pPr rtl="1"/>
+                      <a:endParaRPr lang="en-US" dirty="0" smtClean="0"/>
+                    </a:p>
+                    <a:p>
+                      <a:pPr rtl="1"/>
+                      <a:endParaRPr lang="he-IL" dirty="0"/>
+                    </a:p>
+                  </a:txBody>
+                  <a:tcPr/>
+                </a:tc>
+                <a:tc>
+                  <a:txBody>
+                    <a:bodyPr/>
+                    <a:lstStyle/>
+                    <a:p>
+                      <a:pPr rtl="1"/>
+                      <a:r>
+                        <a:rPr lang="en-US" dirty="0" err="1" smtClean="0"/>
+                        <a:t>Chebyshev</a:t>
+                      </a:r>
+                      <a:endParaRPr lang="he-IL" dirty="0"/>
+                    </a:p>
+                  </a:txBody>
+                  <a:tcPr/>
+                </a:tc>
+              </a:tr>
+              <a:tr h="370840">
+                <a:tc>
+                  <a:txBody>
+                    <a:bodyPr/>
+                    <a:lstStyle/>
+                    <a:p>
+                      <a:pPr rtl="1"/>
+                      <a:endParaRPr lang="en-US" dirty="0" smtClean="0"/>
+                    </a:p>
+                    <a:p>
+                      <a:pPr rtl="1"/>
+                      <a:endParaRPr lang="he-IL" dirty="0"/>
+                    </a:p>
+                  </a:txBody>
+                  <a:tcPr/>
+                </a:tc>
+                <a:tc>
+                  <a:txBody>
+                    <a:bodyPr/>
+                    <a:lstStyle/>
+                    <a:p>
+                      <a:pPr rtl="1"/>
+                      <a:r>
+                        <a:rPr lang="en-US" dirty="0" err="1" smtClean="0"/>
+                        <a:t>Mahalanobis</a:t>
+                      </a:r>
+                      <a:endParaRPr lang="he-IL" dirty="0"/>
+                    </a:p>
+                  </a:txBody>
+                  <a:tcPr/>
+                </a:tc>
+              </a:tr>
+            </a:tbl>
+          </a:graphicData>
+        </a:graphic>
+      </p:graphicFrame>
+      <p:pic>
+        <p:nvPicPr>
+          <p:cNvPr id="7" name="Picture 6"/>
+          <p:cNvPicPr>
+            <a:picLocks noChangeAspect="1"/>
+          </p:cNvPicPr>
+          <p:nvPr/>
+        </p:nvPicPr>
+        <p:blipFill>
+          <a:blip r:embed="rId2"/>
+          <a:stretch>
+            <a:fillRect/>
+          </a:stretch>
+        </p:blipFill>
+        <p:spPr>
+          <a:xfrm>
+            <a:off x="3087993" y="3910208"/>
+            <a:ext cx="1819275" cy="1066800"/>
+          </a:xfrm>
+          <a:prstGeom prst="rect">
+            <a:avLst/>
+          </a:prstGeom>
+        </p:spPr>
+      </p:pic>
+      <p:pic>
+        <p:nvPicPr>
+          <p:cNvPr id="8" name="Picture 7"/>
+          <p:cNvPicPr>
+            <a:picLocks noChangeAspect="1"/>
+          </p:cNvPicPr>
+          <p:nvPr/>
+        </p:nvPicPr>
+        <p:blipFill>
+          <a:blip r:embed="rId3"/>
+          <a:stretch>
+            <a:fillRect/>
+          </a:stretch>
+        </p:blipFill>
+        <p:spPr>
+          <a:xfrm>
+            <a:off x="3087993" y="2416219"/>
+            <a:ext cx="1466850" cy="647700"/>
+          </a:xfrm>
+          <a:prstGeom prst="rect">
+            <a:avLst/>
+          </a:prstGeom>
+        </p:spPr>
+      </p:pic>
+      <p:pic>
+        <p:nvPicPr>
+          <p:cNvPr id="9" name="Picture 8"/>
+          <p:cNvPicPr>
+            <a:picLocks noChangeAspect="1"/>
+          </p:cNvPicPr>
+          <p:nvPr/>
+        </p:nvPicPr>
+        <p:blipFill>
+          <a:blip r:embed="rId4"/>
+          <a:stretch>
+            <a:fillRect/>
+          </a:stretch>
+        </p:blipFill>
+        <p:spPr>
+          <a:xfrm>
+            <a:off x="3087993" y="3283319"/>
+            <a:ext cx="1857375" cy="466725"/>
+          </a:xfrm>
+          <a:prstGeom prst="rect">
+            <a:avLst/>
+          </a:prstGeom>
+        </p:spPr>
+      </p:pic>
+      <p:pic>
+        <p:nvPicPr>
+          <p:cNvPr id="10" name="Picture 9"/>
+          <p:cNvPicPr>
+            <a:picLocks noChangeAspect="1"/>
+          </p:cNvPicPr>
+          <p:nvPr/>
+        </p:nvPicPr>
+        <p:blipFill>
+          <a:blip r:embed="rId5"/>
+          <a:stretch>
+            <a:fillRect/>
+          </a:stretch>
+        </p:blipFill>
+        <p:spPr>
+          <a:xfrm>
+            <a:off x="3087993" y="5139455"/>
+            <a:ext cx="1724025" cy="361950"/>
+          </a:xfrm>
+          <a:prstGeom prst="rect">
+            <a:avLst/>
+          </a:prstGeom>
+        </p:spPr>
+      </p:pic>
+      <p:pic>
+        <p:nvPicPr>
+          <p:cNvPr id="15" name="Picture 14"/>
+          <p:cNvPicPr>
+            <a:picLocks noChangeAspect="1"/>
+          </p:cNvPicPr>
+          <p:nvPr/>
+        </p:nvPicPr>
+        <p:blipFill>
+          <a:blip r:embed="rId6"/>
+          <a:stretch>
+            <a:fillRect/>
+          </a:stretch>
+        </p:blipFill>
+        <p:spPr>
+          <a:xfrm>
+            <a:off x="3087993" y="5756231"/>
+            <a:ext cx="2095500" cy="381000"/>
+          </a:xfrm>
+          <a:prstGeom prst="rect">
+            <a:avLst/>
+          </a:prstGeom>
+        </p:spPr>
+      </p:pic>
+      <p:graphicFrame>
+        <p:nvGraphicFramePr>
+          <p:cNvPr id="16" name="Content Placeholder 4"/>
+          <p:cNvGraphicFramePr>
+            <a:graphicFrameLocks/>
+          </p:cNvGraphicFramePr>
+          <p:nvPr>
+            <p:extLst>
+              <p:ext uri="{D42A27DB-BD31-4B8C-83A1-F6EECF244321}">
+                <p14:modId xmlns:p14="http://schemas.microsoft.com/office/powerpoint/2010/main" val="1609288973"/>
+              </p:ext>
+            </p:extLst>
+          </p:nvPr>
+        </p:nvGraphicFramePr>
+        <p:xfrm>
+          <a:off x="5723287" y="2275562"/>
+          <a:ext cx="4911310" cy="3931920"/>
+        </p:xfrm>
+        <a:graphic>
+          <a:graphicData uri="http://schemas.openxmlformats.org/drawingml/2006/table">
+            <a:tbl>
+              <a:tblPr rtl="1" bandRow="1">
+                <a:tableStyleId>{5C22544A-7EE6-4342-B048-85BDC9FD1C3A}</a:tableStyleId>
+              </a:tblPr>
+              <a:tblGrid>
+                <a:gridCol w="2988071"/>
+                <a:gridCol w="1923239"/>
+              </a:tblGrid>
+              <a:tr h="370840">
+                <a:tc>
+                  <a:txBody>
+                    <a:bodyPr/>
+                    <a:lstStyle/>
+                    <a:p>
+                      <a:endParaRPr lang="en-US" dirty="0" smtClean="0"/>
+                    </a:p>
+                    <a:p>
+                      <a:endParaRPr lang="en-US" dirty="0" smtClean="0"/>
+                    </a:p>
+                    <a:p>
+                      <a:endParaRPr lang="en-US" dirty="0" smtClean="0"/>
+                    </a:p>
+                    <a:p>
+                      <a:endParaRPr lang="he-IL" dirty="0" smtClean="0"/>
+                    </a:p>
+                  </a:txBody>
+                  <a:tcPr/>
+                </a:tc>
+                <a:tc>
+                  <a:txBody>
+                    <a:bodyPr/>
+                    <a:lstStyle/>
+                    <a:p>
+                      <a:pPr marL="0" marR="0" indent="0" algn="l" defTabSz="914400" rtl="1" eaLnBrk="1" fontAlgn="auto" latinLnBrk="0" hangingPunct="1">
+                        <a:lnSpc>
+                          <a:spcPct val="100000"/>
+                        </a:lnSpc>
+                        <a:spcBef>
+                          <a:spcPts val="0"/>
+                        </a:spcBef>
+                        <a:spcAft>
+                          <a:spcPts val="0"/>
+                        </a:spcAft>
+                        <a:buClrTx/>
+                        <a:buSzTx/>
+                        <a:buFontTx/>
+                        <a:buNone/>
+                        <a:tabLst/>
+                        <a:defRPr/>
+                      </a:pPr>
+                      <a:r>
+                        <a:rPr lang="en-US" dirty="0" smtClean="0"/>
+                        <a:t>Cosine</a:t>
+                      </a:r>
+                    </a:p>
+                  </a:txBody>
+                  <a:tcPr/>
+                </a:tc>
+              </a:tr>
+              <a:tr h="370840">
+                <a:tc>
+                  <a:txBody>
+                    <a:bodyPr/>
+                    <a:lstStyle/>
+                    <a:p>
+                      <a:pPr rtl="1"/>
+                      <a:endParaRPr lang="en-US" dirty="0" smtClean="0"/>
+                    </a:p>
+                    <a:p>
+                      <a:pPr rtl="1"/>
+                      <a:endParaRPr lang="en-US" dirty="0" smtClean="0"/>
+                    </a:p>
+                    <a:p>
+                      <a:pPr rtl="1"/>
+                      <a:endParaRPr lang="he-IL" dirty="0"/>
+                    </a:p>
+                  </a:txBody>
+                  <a:tcPr/>
+                </a:tc>
+                <a:tc>
+                  <a:txBody>
+                    <a:bodyPr/>
+                    <a:lstStyle/>
+                    <a:p>
+                      <a:pPr rtl="1"/>
+                      <a:r>
+                        <a:rPr lang="en-US" dirty="0" smtClean="0"/>
+                        <a:t>Hamming</a:t>
+                      </a:r>
+                      <a:endParaRPr lang="he-IL" dirty="0"/>
+                    </a:p>
+                  </a:txBody>
+                  <a:tcPr/>
+                </a:tc>
+              </a:tr>
+              <a:tr h="370840">
+                <a:tc>
+                  <a:txBody>
+                    <a:bodyPr/>
+                    <a:lstStyle/>
+                    <a:p>
+                      <a:pPr rtl="1"/>
+                      <a:endParaRPr lang="en-US" dirty="0" smtClean="0"/>
+                    </a:p>
+                    <a:p>
+                      <a:pPr rtl="1"/>
+                      <a:endParaRPr lang="en-US" dirty="0" smtClean="0"/>
+                    </a:p>
+                    <a:p>
+                      <a:pPr rtl="1"/>
+                      <a:endParaRPr lang="he-IL" dirty="0"/>
+                    </a:p>
+                  </a:txBody>
+                  <a:tcPr/>
+                </a:tc>
+                <a:tc>
+                  <a:txBody>
+                    <a:bodyPr/>
+                    <a:lstStyle/>
+                    <a:p>
+                      <a:pPr rtl="1"/>
+                      <a:r>
+                        <a:rPr lang="en-US" dirty="0" err="1" smtClean="0"/>
+                        <a:t>Jaccard</a:t>
+                      </a:r>
+                      <a:endParaRPr lang="he-IL" dirty="0"/>
+                    </a:p>
+                  </a:txBody>
+                  <a:tcPr/>
+                </a:tc>
+              </a:tr>
+              <a:tr h="370840">
+                <a:tc>
+                  <a:txBody>
+                    <a:bodyPr/>
+                    <a:lstStyle/>
+                    <a:p>
+                      <a:pPr rtl="1"/>
+                      <a:endParaRPr lang="en-US" dirty="0" smtClean="0"/>
+                    </a:p>
+                    <a:p>
+                      <a:pPr rtl="1"/>
+                      <a:endParaRPr lang="en-US" dirty="0" smtClean="0"/>
+                    </a:p>
+                    <a:p>
+                      <a:pPr rtl="1"/>
+                      <a:endParaRPr lang="he-IL" dirty="0"/>
+                    </a:p>
+                  </a:txBody>
+                  <a:tcPr/>
+                </a:tc>
+                <a:tc>
+                  <a:txBody>
+                    <a:bodyPr/>
+                    <a:lstStyle/>
+                    <a:p>
+                      <a:pPr rtl="1"/>
+                      <a:r>
+                        <a:rPr lang="en-US" dirty="0" smtClean="0"/>
+                        <a:t>Spearman</a:t>
+                      </a:r>
+                      <a:endParaRPr lang="he-IL" dirty="0"/>
+                    </a:p>
+                  </a:txBody>
+                  <a:tcPr/>
+                </a:tc>
+              </a:tr>
+            </a:tbl>
+          </a:graphicData>
+        </a:graphic>
+      </p:graphicFrame>
+      <p:pic>
+        <p:nvPicPr>
+          <p:cNvPr id="11" name="Picture 10"/>
+          <p:cNvPicPr>
+            <a:picLocks noChangeAspect="1"/>
+          </p:cNvPicPr>
+          <p:nvPr/>
+        </p:nvPicPr>
+        <p:blipFill>
+          <a:blip r:embed="rId7"/>
+          <a:stretch>
+            <a:fillRect/>
+          </a:stretch>
+        </p:blipFill>
+        <p:spPr>
+          <a:xfrm>
+            <a:off x="7548237" y="2393841"/>
+            <a:ext cx="2238375" cy="942975"/>
+          </a:xfrm>
+          <a:prstGeom prst="rect">
+            <a:avLst/>
+          </a:prstGeom>
+        </p:spPr>
+      </p:pic>
+      <p:pic>
+        <p:nvPicPr>
+          <p:cNvPr id="12" name="Picture 11"/>
+          <p:cNvPicPr>
+            <a:picLocks noChangeAspect="1"/>
+          </p:cNvPicPr>
+          <p:nvPr/>
+        </p:nvPicPr>
+        <p:blipFill>
+          <a:blip r:embed="rId8"/>
+          <a:stretch>
+            <a:fillRect/>
+          </a:stretch>
+        </p:blipFill>
+        <p:spPr>
+          <a:xfrm>
+            <a:off x="7548237" y="4479489"/>
+            <a:ext cx="2857500" cy="704850"/>
+          </a:xfrm>
+          <a:prstGeom prst="rect">
+            <a:avLst/>
+          </a:prstGeom>
+        </p:spPr>
+      </p:pic>
+      <p:pic>
+        <p:nvPicPr>
+          <p:cNvPr id="13" name="Picture 12"/>
+          <p:cNvPicPr>
+            <a:picLocks noChangeAspect="1"/>
+          </p:cNvPicPr>
+          <p:nvPr/>
+        </p:nvPicPr>
+        <p:blipFill>
+          <a:blip r:embed="rId9"/>
+          <a:stretch>
+            <a:fillRect/>
+          </a:stretch>
+        </p:blipFill>
+        <p:spPr>
+          <a:xfrm>
+            <a:off x="7548237" y="5457563"/>
+            <a:ext cx="2790825" cy="552450"/>
+          </a:xfrm>
+          <a:prstGeom prst="rect">
+            <a:avLst/>
+          </a:prstGeom>
+        </p:spPr>
+      </p:pic>
+      <p:pic>
+        <p:nvPicPr>
+          <p:cNvPr id="14" name="Picture 13"/>
+          <p:cNvPicPr>
+            <a:picLocks noChangeAspect="1"/>
+          </p:cNvPicPr>
+          <p:nvPr/>
+        </p:nvPicPr>
+        <p:blipFill>
+          <a:blip r:embed="rId10"/>
+          <a:stretch>
+            <a:fillRect/>
+          </a:stretch>
+        </p:blipFill>
+        <p:spPr>
+          <a:xfrm>
+            <a:off x="7548237" y="3616238"/>
+            <a:ext cx="1581150" cy="552450"/>
+          </a:xfrm>
+          <a:prstGeom prst="rect">
+            <a:avLst/>
+          </a:prstGeom>
+        </p:spPr>
+      </p:pic>
     </p:spTree>
     <p:extLst>
       <p:ext uri="{BB962C8B-B14F-4D97-AF65-F5344CB8AC3E}">
@@ -5233,7 +7320,7 @@
 </p:sld>
 </file>
 
-<file path=ppt/slides/slide6.xml><?xml version="1.0" encoding="utf-8"?>
+<file path=ppt/slides/slide7.xml><?xml version="1.0" encoding="utf-8"?>
 <p:sld xmlns:a="http://schemas.openxmlformats.org/drawingml/2006/main" xmlns:r="http://schemas.openxmlformats.org/officeDocument/2006/relationships" xmlns:p="http://schemas.openxmlformats.org/presentationml/2006/main">
   <p:cSld>
     <p:spTree>
@@ -5267,7 +7354,7 @@
           <a:p>
             <a:r>
               <a:rPr lang="en-US" dirty="0" smtClean="0"/>
-              <a:t>When to use?</a:t>
+              <a:t>Potential Issues</a:t>
             </a:r>
             <a:endParaRPr lang="he-IL" dirty="0"/>
           </a:p>
@@ -5287,6 +7374,129 @@
         <p:txBody>
           <a:bodyPr/>
           <a:lstStyle/>
+          <a:p>
+            <a:r>
+              <a:rPr lang="en-US" dirty="0" smtClean="0"/>
+              <a:t>How to handle missing </a:t>
+            </a:r>
+            <a:r>
+              <a:rPr lang="en-US" dirty="0" smtClean="0"/>
+              <a:t>values?</a:t>
+            </a:r>
+            <a:endParaRPr lang="en-US" dirty="0" smtClean="0"/>
+          </a:p>
+          <a:p>
+            <a:r>
+              <a:rPr lang="en-US" dirty="0" smtClean="0"/>
+              <a:t>How to handle categorical data?</a:t>
+            </a:r>
+          </a:p>
+          <a:p>
+            <a:r>
+              <a:rPr lang="en-US" dirty="0" smtClean="0"/>
+              <a:t>What to do if features have different scale?</a:t>
+            </a:r>
+          </a:p>
+          <a:p>
+            <a:r>
+              <a:rPr lang="en-US" dirty="0" smtClean="0"/>
+              <a:t>What if some features are correlated?</a:t>
+            </a:r>
+          </a:p>
+          <a:p>
+            <a:r>
+              <a:rPr lang="en-US" dirty="0" smtClean="0"/>
+              <a:t>What if some features are more important than others?</a:t>
+            </a:r>
+            <a:endParaRPr lang="he-IL" dirty="0"/>
+          </a:p>
+        </p:txBody>
+      </p:sp>
+    </p:spTree>
+    <p:extLst>
+      <p:ext uri="{BB962C8B-B14F-4D97-AF65-F5344CB8AC3E}">
+        <p14:creationId xmlns:p14="http://schemas.microsoft.com/office/powerpoint/2010/main" val="1670021739"/>
+      </p:ext>
+    </p:extLst>
+  </p:cSld>
+  <p:clrMapOvr>
+    <a:masterClrMapping/>
+  </p:clrMapOvr>
+  <p:timing>
+    <p:tnLst>
+      <p:par>
+        <p:cTn id="1" dur="indefinite" restart="never" nodeType="tmRoot"/>
+      </p:par>
+    </p:tnLst>
+  </p:timing>
+</p:sld>
+</file>
+
+<file path=ppt/slides/slide8.xml><?xml version="1.0" encoding="utf-8"?>
+<p:sld xmlns:a="http://schemas.openxmlformats.org/drawingml/2006/main" xmlns:r="http://schemas.openxmlformats.org/officeDocument/2006/relationships" xmlns:p="http://schemas.openxmlformats.org/presentationml/2006/main">
+  <p:cSld>
+    <p:spTree>
+      <p:nvGrpSpPr>
+        <p:cNvPr id="1" name=""/>
+        <p:cNvGrpSpPr/>
+        <p:nvPr/>
+      </p:nvGrpSpPr>
+      <p:grpSpPr>
+        <a:xfrm>
+          <a:off x="0" y="0"/>
+          <a:ext cx="0" cy="0"/>
+          <a:chOff x="0" y="0"/>
+          <a:chExt cx="0" cy="0"/>
+        </a:xfrm>
+      </p:grpSpPr>
+      <p:sp>
+        <p:nvSpPr>
+          <p:cNvPr id="2" name="Title 1"/>
+          <p:cNvSpPr>
+            <a:spLocks noGrp="1"/>
+          </p:cNvSpPr>
+          <p:nvPr>
+            <p:ph type="title"/>
+          </p:nvPr>
+        </p:nvSpPr>
+        <p:spPr/>
+        <p:txBody>
+          <a:bodyPr/>
+          <a:lstStyle/>
+          <a:p>
+            <a:r>
+              <a:rPr lang="en-US" dirty="0" smtClean="0"/>
+              <a:t>When to use?</a:t>
+            </a:r>
+            <a:endParaRPr lang="he-IL" dirty="0"/>
+          </a:p>
+        </p:txBody>
+      </p:sp>
+      <p:sp>
+        <p:nvSpPr>
+          <p:cNvPr id="3" name="Content Placeholder 2"/>
+          <p:cNvSpPr>
+            <a:spLocks noGrp="1"/>
+          </p:cNvSpPr>
+          <p:nvPr>
+            <p:ph idx="1"/>
+          </p:nvPr>
+        </p:nvSpPr>
+        <p:spPr/>
+        <p:txBody>
+          <a:bodyPr>
+            <a:normAutofit lnSpcReduction="10000"/>
+          </a:bodyPr>
+          <a:lstStyle/>
+          <a:p>
+            <a:pPr marL="0" indent="0">
+              <a:buNone/>
+            </a:pPr>
+            <a:r>
+              <a:rPr lang="en-US" dirty="0" smtClean="0"/>
+              <a:t>Let’s discuss how KNN behaves in regards to these topics:</a:t>
+            </a:r>
+          </a:p>
           <a:p>
             <a:pPr marL="457200" indent="-457200">
               <a:buFont typeface="+mj-lt"/>
@@ -5304,7 +7514,7 @@
             </a:pPr>
             <a:r>
               <a:rPr lang="en-US" dirty="0" smtClean="0"/>
-              <a:t>Interpretability</a:t>
+              <a:t>Speed of training</a:t>
             </a:r>
           </a:p>
           <a:p>
@@ -5314,7 +7524,7 @@
             </a:pPr>
             <a:r>
               <a:rPr lang="en-US" dirty="0" smtClean="0"/>
-              <a:t>Dimensionality</a:t>
+              <a:t>Speed of prediction</a:t>
             </a:r>
           </a:p>
           <a:p>
@@ -5324,7 +7534,37 @@
             </a:pPr>
             <a:r>
               <a:rPr lang="en-US" dirty="0" smtClean="0"/>
+              <a:t>Interpretability</a:t>
+            </a:r>
+          </a:p>
+          <a:p>
+            <a:pPr marL="457200" indent="-457200">
+              <a:buFont typeface="+mj-lt"/>
+              <a:buAutoNum type="arabicPeriod"/>
+            </a:pPr>
+            <a:r>
+              <a:rPr lang="en-US" dirty="0" smtClean="0"/>
+              <a:t>Dimensionality</a:t>
+            </a:r>
+          </a:p>
+          <a:p>
+            <a:pPr marL="457200" indent="-457200">
+              <a:buFont typeface="+mj-lt"/>
+              <a:buAutoNum type="arabicPeriod"/>
+            </a:pPr>
+            <a:r>
+              <a:rPr lang="en-US" dirty="0" smtClean="0"/>
               <a:t>Sensitivity to outliers</a:t>
+            </a:r>
+          </a:p>
+          <a:p>
+            <a:pPr marL="457200" indent="-457200">
+              <a:buFont typeface="+mj-lt"/>
+              <a:buAutoNum type="arabicPeriod"/>
+            </a:pPr>
+            <a:r>
+              <a:rPr lang="en-US" dirty="0" smtClean="0"/>
+              <a:t>Missing data</a:t>
             </a:r>
           </a:p>
           <a:p>
@@ -5353,7 +7593,7 @@
 </p:sld>
 </file>
 
-<file path=ppt/slides/slide7.xml><?xml version="1.0" encoding="utf-8"?>
+<file path=ppt/slides/slide9.xml><?xml version="1.0" encoding="utf-8"?>
 <p:sld xmlns:a="http://schemas.openxmlformats.org/drawingml/2006/main" xmlns:r="http://schemas.openxmlformats.org/officeDocument/2006/relationships" xmlns:p="http://schemas.openxmlformats.org/presentationml/2006/main">
   <p:cSld>
     <p:spTree>
@@ -5476,287 +7716,6 @@
     <p:extLst>
       <p:ext uri="{BB962C8B-B14F-4D97-AF65-F5344CB8AC3E}">
         <p14:creationId xmlns:p14="http://schemas.microsoft.com/office/powerpoint/2010/main" val="1773469882"/>
-      </p:ext>
-    </p:extLst>
-  </p:cSld>
-  <p:clrMapOvr>
-    <a:masterClrMapping/>
-  </p:clrMapOvr>
-</p:sld>
-</file>
-
-<file path=ppt/slides/slide8.xml><?xml version="1.0" encoding="utf-8"?>
-<p:sld xmlns:a="http://schemas.openxmlformats.org/drawingml/2006/main" xmlns:r="http://schemas.openxmlformats.org/officeDocument/2006/relationships" xmlns:p="http://schemas.openxmlformats.org/presentationml/2006/main">
-  <p:cSld>
-    <p:spTree>
-      <p:nvGrpSpPr>
-        <p:cNvPr id="1" name=""/>
-        <p:cNvGrpSpPr/>
-        <p:nvPr/>
-      </p:nvGrpSpPr>
-      <p:grpSpPr>
-        <a:xfrm>
-          <a:off x="0" y="0"/>
-          <a:ext cx="0" cy="0"/>
-          <a:chOff x="0" y="0"/>
-          <a:chExt cx="0" cy="0"/>
-        </a:xfrm>
-      </p:grpSpPr>
-      <p:sp>
-        <p:nvSpPr>
-          <p:cNvPr id="7" name="Title 6"/>
-          <p:cNvSpPr>
-            <a:spLocks noGrp="1"/>
-          </p:cNvSpPr>
-          <p:nvPr>
-            <p:ph type="title"/>
-          </p:nvPr>
-        </p:nvSpPr>
-        <p:spPr/>
-        <p:txBody>
-          <a:bodyPr/>
-          <a:lstStyle/>
-          <a:p>
-            <a:r>
-              <a:rPr lang="en-US" dirty="0" smtClean="0"/>
-              <a:t>Effect of K</a:t>
-            </a:r>
-            <a:endParaRPr lang="he-IL" dirty="0"/>
-          </a:p>
-        </p:txBody>
-      </p:sp>
-      <p:sp>
-        <p:nvSpPr>
-          <p:cNvPr id="3" name="Content Placeholder 2"/>
-          <p:cNvSpPr>
-            <a:spLocks noGrp="1"/>
-          </p:cNvSpPr>
-          <p:nvPr>
-            <p:ph idx="1"/>
-          </p:nvPr>
-        </p:nvSpPr>
-        <p:spPr/>
-        <p:txBody>
-          <a:bodyPr/>
-          <a:lstStyle/>
-          <a:p>
-            <a:r>
-              <a:rPr lang="en-US" dirty="0" smtClean="0"/>
-              <a:t>Rule of thumb – Use K = </a:t>
-            </a:r>
-            <a:r>
-              <a:rPr lang="en-US" dirty="0" err="1" smtClean="0"/>
-              <a:t>sqrt</a:t>
-            </a:r>
-            <a:r>
-              <a:rPr lang="en-US" dirty="0" smtClean="0"/>
-              <a:t>(#observations)</a:t>
-            </a:r>
-            <a:endParaRPr lang="he-IL" dirty="0"/>
-          </a:p>
-        </p:txBody>
-      </p:sp>
-      <p:pic>
-        <p:nvPicPr>
-          <p:cNvPr id="8" name="Content Placeholder 5"/>
-          <p:cNvPicPr>
-            <a:picLocks noGrp="1" noChangeAspect="1"/>
-          </p:cNvPicPr>
-          <p:nvPr>
-            <p:ph idx="13"/>
-          </p:nvPr>
-        </p:nvPicPr>
-        <p:blipFill>
-          <a:blip r:embed="rId2"/>
-          <a:stretch>
-            <a:fillRect/>
-          </a:stretch>
-        </p:blipFill>
-        <p:spPr>
-          <a:xfrm>
-            <a:off x="3037605" y="2819401"/>
-            <a:ext cx="5161555" cy="3500438"/>
-          </a:xfrm>
-          <a:prstGeom prst="rect">
-            <a:avLst/>
-          </a:prstGeom>
-        </p:spPr>
-      </p:pic>
-    </p:spTree>
-    <p:extLst>
-      <p:ext uri="{BB962C8B-B14F-4D97-AF65-F5344CB8AC3E}">
-        <p14:creationId xmlns:p14="http://schemas.microsoft.com/office/powerpoint/2010/main" val="820359977"/>
-      </p:ext>
-    </p:extLst>
-  </p:cSld>
-  <p:clrMapOvr>
-    <a:masterClrMapping/>
-  </p:clrMapOvr>
-</p:sld>
-</file>
-
-<file path=ppt/slides/slide9.xml><?xml version="1.0" encoding="utf-8"?>
-<p:sld xmlns:a="http://schemas.openxmlformats.org/drawingml/2006/main" xmlns:r="http://schemas.openxmlformats.org/officeDocument/2006/relationships" xmlns:p="http://schemas.openxmlformats.org/presentationml/2006/main">
-  <p:cSld>
-    <p:spTree>
-      <p:nvGrpSpPr>
-        <p:cNvPr id="1" name=""/>
-        <p:cNvGrpSpPr/>
-        <p:nvPr/>
-      </p:nvGrpSpPr>
-      <p:grpSpPr>
-        <a:xfrm>
-          <a:off x="0" y="0"/>
-          <a:ext cx="0" cy="0"/>
-          <a:chOff x="0" y="0"/>
-          <a:chExt cx="0" cy="0"/>
-        </a:xfrm>
-      </p:grpSpPr>
-      <p:sp>
-        <p:nvSpPr>
-          <p:cNvPr id="2" name="Title 1"/>
-          <p:cNvSpPr>
-            <a:spLocks noGrp="1"/>
-          </p:cNvSpPr>
-          <p:nvPr>
-            <p:ph type="title"/>
-          </p:nvPr>
-        </p:nvSpPr>
-        <p:spPr/>
-        <p:txBody>
-          <a:bodyPr/>
-          <a:lstStyle/>
-          <a:p>
-            <a:r>
-              <a:rPr lang="en-US" dirty="0" smtClean="0"/>
-              <a:t>Effect of Model Flexibility (1/K)</a:t>
-            </a:r>
-            <a:endParaRPr lang="he-IL" dirty="0"/>
-          </a:p>
-        </p:txBody>
-      </p:sp>
-      <p:pic>
-        <p:nvPicPr>
-          <p:cNvPr id="4" name="Content Placeholder 3"/>
-          <p:cNvPicPr>
-            <a:picLocks noGrp="1" noChangeAspect="1"/>
-          </p:cNvPicPr>
-          <p:nvPr>
-            <p:ph idx="1"/>
-          </p:nvPr>
-        </p:nvPicPr>
-        <p:blipFill>
-          <a:blip r:embed="rId2"/>
-          <a:stretch>
-            <a:fillRect/>
-          </a:stretch>
-        </p:blipFill>
-        <p:spPr>
-          <a:xfrm>
-            <a:off x="3235590" y="2286000"/>
-            <a:ext cx="5296958" cy="4022725"/>
-          </a:xfrm>
-          <a:prstGeom prst="rect">
-            <a:avLst/>
-          </a:prstGeom>
-        </p:spPr>
-      </p:pic>
-      <p:sp>
-        <p:nvSpPr>
-          <p:cNvPr id="5" name="Rectangle 4"/>
-          <p:cNvSpPr/>
-          <p:nvPr/>
-        </p:nvSpPr>
-        <p:spPr>
-          <a:xfrm>
-            <a:off x="3918857" y="2514600"/>
-            <a:ext cx="4299857" cy="1045029"/>
-          </a:xfrm>
-          <a:prstGeom prst="rect">
-            <a:avLst/>
-          </a:prstGeom>
-          <a:solidFill>
-            <a:schemeClr val="bg1"/>
-          </a:solidFill>
-          <a:ln>
-            <a:noFill/>
-          </a:ln>
-        </p:spPr>
-        <p:style>
-          <a:lnRef idx="2">
-            <a:schemeClr val="accent1">
-              <a:shade val="50000"/>
-            </a:schemeClr>
-          </a:lnRef>
-          <a:fillRef idx="1">
-            <a:schemeClr val="accent1"/>
-          </a:fillRef>
-          <a:effectRef idx="0">
-            <a:schemeClr val="accent1"/>
-          </a:effectRef>
-          <a:fontRef idx="minor">
-            <a:schemeClr val="lt1"/>
-          </a:fontRef>
-        </p:style>
-        <p:txBody>
-          <a:bodyPr rtlCol="1" anchor="ctr"/>
-          <a:lstStyle/>
-          <a:p>
-            <a:pPr algn="ctr"/>
-            <a:endParaRPr lang="he-IL"/>
-          </a:p>
-        </p:txBody>
-      </p:sp>
-      <p:sp>
-        <p:nvSpPr>
-          <p:cNvPr id="6" name="Rectangle 5"/>
-          <p:cNvSpPr/>
-          <p:nvPr/>
-        </p:nvSpPr>
-        <p:spPr>
-          <a:xfrm>
-            <a:off x="5138057" y="3592286"/>
-            <a:ext cx="3102429" cy="2090057"/>
-          </a:xfrm>
-          <a:prstGeom prst="rect">
-            <a:avLst/>
-          </a:prstGeom>
-          <a:solidFill>
-            <a:schemeClr val="bg1"/>
-          </a:solidFill>
-          <a:ln>
-            <a:noFill/>
-          </a:ln>
-        </p:spPr>
-        <p:style>
-          <a:lnRef idx="2">
-            <a:schemeClr val="accent1">
-              <a:shade val="50000"/>
-            </a:schemeClr>
-          </a:lnRef>
-          <a:fillRef idx="1">
-            <a:schemeClr val="accent1"/>
-          </a:fillRef>
-          <a:effectRef idx="0">
-            <a:schemeClr val="accent1"/>
-          </a:effectRef>
-          <a:fontRef idx="minor">
-            <a:schemeClr val="lt1"/>
-          </a:fontRef>
-        </p:style>
-        <p:txBody>
-          <a:bodyPr rtlCol="1" anchor="ctr"/>
-          <a:lstStyle/>
-          <a:p>
-            <a:pPr algn="ctr"/>
-            <a:endParaRPr lang="he-IL"/>
-          </a:p>
-        </p:txBody>
-      </p:sp>
-    </p:spTree>
-    <p:extLst>
-      <p:ext uri="{BB962C8B-B14F-4D97-AF65-F5344CB8AC3E}">
-        <p14:creationId xmlns:p14="http://schemas.microsoft.com/office/powerpoint/2010/main" val="27532488"/>
       </p:ext>
     </p:extLst>
   </p:cSld>

--- a/Applied Data Science - KNN.pptx
+++ b/Applied Data Science - KNN.pptx
@@ -209,7 +209,7 @@
           <a:p>
             <a:fld id="{F1D2C95C-E6C5-47EE-A945-EBB416EE6C3F}" type="datetimeFigureOut">
               <a:rPr lang="en-US" smtClean="0"/>
-              <a:t>5/9/2017</a:t>
+              <a:t>5/10/2017</a:t>
             </a:fld>
             <a:endParaRPr lang="en-US"/>
           </a:p>
@@ -1087,7 +1087,7 @@
           <a:p>
             <a:fld id="{BF4D7DE9-04F8-4F0B-A692-02FE1DAE9F6D}" type="datetimeFigureOut">
               <a:rPr lang="en-US" smtClean="0"/>
-              <a:t>5/9/2017</a:t>
+              <a:t>5/10/2017</a:t>
             </a:fld>
             <a:endParaRPr lang="en-US"/>
           </a:p>
@@ -1472,7 +1472,7 @@
           <a:p>
             <a:fld id="{BF4D7DE9-04F8-4F0B-A692-02FE1DAE9F6D}" type="datetimeFigureOut">
               <a:rPr lang="en-US" smtClean="0"/>
-              <a:t>5/9/2017</a:t>
+              <a:t>5/10/2017</a:t>
             </a:fld>
             <a:endParaRPr lang="en-US"/>
           </a:p>
@@ -1757,7 +1757,7 @@
           <a:p>
             <a:fld id="{BF4D7DE9-04F8-4F0B-A692-02FE1DAE9F6D}" type="datetimeFigureOut">
               <a:rPr lang="en-US" smtClean="0"/>
-              <a:t>5/9/2017</a:t>
+              <a:t>5/10/2017</a:t>
             </a:fld>
             <a:endParaRPr lang="en-US"/>
           </a:p>
@@ -1962,7 +1962,7 @@
           <a:p>
             <a:fld id="{BF4D7DE9-04F8-4F0B-A692-02FE1DAE9F6D}" type="datetimeFigureOut">
               <a:rPr lang="en-US" smtClean="0"/>
-              <a:t>5/9/2017</a:t>
+              <a:t>5/10/2017</a:t>
             </a:fld>
             <a:endParaRPr lang="en-US"/>
           </a:p>
@@ -2142,7 +2142,7 @@
           <a:p>
             <a:fld id="{BF4D7DE9-04F8-4F0B-A692-02FE1DAE9F6D}" type="datetimeFigureOut">
               <a:rPr lang="en-US" smtClean="0"/>
-              <a:t>5/9/2017</a:t>
+              <a:t>5/10/2017</a:t>
             </a:fld>
             <a:endParaRPr lang="en-US"/>
           </a:p>
@@ -2373,7 +2373,7 @@
           <a:p>
             <a:fld id="{BF4D7DE9-04F8-4F0B-A692-02FE1DAE9F6D}" type="datetimeFigureOut">
               <a:rPr lang="en-US" smtClean="0"/>
-              <a:t>5/9/2017</a:t>
+              <a:t>5/10/2017</a:t>
             </a:fld>
             <a:endParaRPr lang="en-US"/>
           </a:p>
@@ -2581,7 +2581,7 @@
           <a:p>
             <a:fld id="{BF4D7DE9-04F8-4F0B-A692-02FE1DAE9F6D}" type="datetimeFigureOut">
               <a:rPr lang="en-US" smtClean="0"/>
-              <a:t>5/9/2017</a:t>
+              <a:t>5/10/2017</a:t>
             </a:fld>
             <a:endParaRPr lang="en-US"/>
           </a:p>
@@ -2928,7 +2928,7 @@
           <a:p>
             <a:fld id="{BF4D7DE9-04F8-4F0B-A692-02FE1DAE9F6D}" type="datetimeFigureOut">
               <a:rPr lang="en-US" smtClean="0"/>
-              <a:t>5/9/2017</a:t>
+              <a:t>5/10/2017</a:t>
             </a:fld>
             <a:endParaRPr lang="en-US"/>
           </a:p>
@@ -3307,7 +3307,7 @@
           <a:p>
             <a:fld id="{BF4D7DE9-04F8-4F0B-A692-02FE1DAE9F6D}" type="datetimeFigureOut">
               <a:rPr lang="en-US" smtClean="0"/>
-              <a:t>5/9/2017</a:t>
+              <a:t>5/10/2017</a:t>
             </a:fld>
             <a:endParaRPr lang="en-US"/>
           </a:p>
@@ -3764,7 +3764,7 @@
           <a:p>
             <a:fld id="{BF4D7DE9-04F8-4F0B-A692-02FE1DAE9F6D}" type="datetimeFigureOut">
               <a:rPr lang="en-US" smtClean="0"/>
-              <a:t>5/9/2017</a:t>
+              <a:t>5/10/2017</a:t>
             </a:fld>
             <a:endParaRPr lang="en-US"/>
           </a:p>
@@ -3889,7 +3889,7 @@
           <a:p>
             <a:fld id="{BF4D7DE9-04F8-4F0B-A692-02FE1DAE9F6D}" type="datetimeFigureOut">
               <a:rPr lang="en-US" smtClean="0"/>
-              <a:t>5/9/2017</a:t>
+              <a:t>5/10/2017</a:t>
             </a:fld>
             <a:endParaRPr lang="en-US"/>
           </a:p>
@@ -3991,7 +3991,7 @@
           <a:p>
             <a:fld id="{BF4D7DE9-04F8-4F0B-A692-02FE1DAE9F6D}" type="datetimeFigureOut">
               <a:rPr lang="en-US" smtClean="0"/>
-              <a:t>5/9/2017</a:t>
+              <a:t>5/10/2017</a:t>
             </a:fld>
             <a:endParaRPr lang="en-US"/>
           </a:p>
@@ -4091,7 +4091,7 @@
           <a:p>
             <a:fld id="{BF4D7DE9-04F8-4F0B-A692-02FE1DAE9F6D}" type="datetimeFigureOut">
               <a:rPr lang="en-US" smtClean="0"/>
-              <a:t>5/9/2017</a:t>
+              <a:t>5/10/2017</a:t>
             </a:fld>
             <a:endParaRPr lang="en-US"/>
           </a:p>
@@ -4394,7 +4394,7 @@
           <a:p>
             <a:fld id="{BF4D7DE9-04F8-4F0B-A692-02FE1DAE9F6D}" type="datetimeFigureOut">
               <a:rPr lang="en-US" smtClean="0"/>
-              <a:t>5/9/2017</a:t>
+              <a:t>5/10/2017</a:t>
             </a:fld>
             <a:endParaRPr lang="en-US"/>
           </a:p>
@@ -7377,13 +7377,8 @@
           <a:p>
             <a:r>
               <a:rPr lang="en-US" dirty="0" smtClean="0"/>
-              <a:t>How to handle missing </a:t>
-            </a:r>
-            <a:r>
-              <a:rPr lang="en-US" dirty="0" smtClean="0"/>
-              <a:t>values?</a:t>
-            </a:r>
-            <a:endParaRPr lang="en-US" dirty="0" smtClean="0"/>
+              <a:t>How to handle missing values?</a:t>
+            </a:r>
           </a:p>
           <a:p>
             <a:r>
